--- a/Bluetooth sur Android.pptx
+++ b/Bluetooth sur Android.pptx
@@ -126,7 +126,7 @@
   </p:defaultTextStyle>
   <p:extLst>
     <p:ext uri="{EFAFB233-063F-42B5-8137-9DF3F51BA10A}">
-      <p15:sldGuideLst xmlns:p15="http://schemas.microsoft.com/office/powerpoint/2012/main"/>
+      <p15:sldGuideLst xmlns:p15="http://schemas.microsoft.com/office/powerpoint/2012/main" xmlns=""/>
     </p:ext>
   </p:extLst>
 </p:presentation>
@@ -214,7 +214,7 @@
           <a:p>
             <a:fld id="{CE289607-0A54-408C-A42F-BCBE04BD5BC2}" type="datetimeFigureOut">
               <a:rPr lang="fr-CH" smtClean="0"/>
-              <a:t>07.01.2014</a:t>
+              <a:t>14.01.2014</a:t>
             </a:fld>
             <a:endParaRPr lang="fr-CH"/>
           </a:p>
@@ -2100,7 +2100,7 @@
           <a:p>
             <a:fld id="{EF322ED6-D996-46B6-8671-9C1BD3EF61D0}" type="datetime1">
               <a:rPr lang="fr-CH" smtClean="0"/>
-              <a:t>07.01.2014</a:t>
+              <a:t>14.01.2014</a:t>
             </a:fld>
             <a:endParaRPr lang="en-US" dirty="0"/>
           </a:p>
@@ -2396,7 +2396,7 @@
           <a:p>
             <a:fld id="{81216877-43B9-4594-9E35-CB10C32F44E1}" type="datetime1">
               <a:rPr lang="fr-CH" smtClean="0"/>
-              <a:t>07.01.2014</a:t>
+              <a:t>14.01.2014</a:t>
             </a:fld>
             <a:endParaRPr lang="en-US" dirty="0"/>
           </a:p>
@@ -2644,7 +2644,7 @@
           <a:p>
             <a:fld id="{02DB53A1-36A0-443A-A1F6-237BF4F36FAF}" type="datetime1">
               <a:rPr lang="fr-CH" smtClean="0"/>
-              <a:t>07.01.2014</a:t>
+              <a:t>14.01.2014</a:t>
             </a:fld>
             <a:endParaRPr lang="en-US" dirty="0"/>
           </a:p>
@@ -3184,7 +3184,7 @@
           <a:p>
             <a:fld id="{F9FD1EF0-91D3-4688-A11D-16ECCB554544}" type="datetime1">
               <a:rPr lang="fr-CH" smtClean="0"/>
-              <a:t>07.01.2014</a:t>
+              <a:t>14.01.2014</a:t>
             </a:fld>
             <a:endParaRPr lang="en-US" dirty="0"/>
           </a:p>
@@ -3432,7 +3432,7 @@
           <a:p>
             <a:fld id="{1CCE17D6-1995-4269-ABC1-A99B13FC3A10}" type="datetime1">
               <a:rPr lang="fr-CH" smtClean="0"/>
-              <a:t>07.01.2014</a:t>
+              <a:t>14.01.2014</a:t>
             </a:fld>
             <a:endParaRPr lang="en-US" dirty="0"/>
           </a:p>
@@ -3964,7 +3964,7 @@
           <a:p>
             <a:fld id="{61A1747E-89CE-4C9C-A550-73867AEE447D}" type="datetime1">
               <a:rPr lang="fr-CH" smtClean="0"/>
-              <a:t>07.01.2014</a:t>
+              <a:t>14.01.2014</a:t>
             </a:fld>
             <a:endParaRPr lang="en-US" dirty="0"/>
           </a:p>
@@ -4261,7 +4261,7 @@
           <a:p>
             <a:fld id="{BF5A5DCD-5FEB-4197-879B-CF46CF83DEF2}" type="datetime1">
               <a:rPr lang="fr-CH" smtClean="0"/>
-              <a:t>07.01.2014</a:t>
+              <a:t>14.01.2014</a:t>
             </a:fld>
             <a:endParaRPr lang="en-US" dirty="0"/>
           </a:p>
@@ -4435,7 +4435,7 @@
           <a:p>
             <a:fld id="{09855FBF-16E6-407A-88C7-FCF48B8525BB}" type="datetime1">
               <a:rPr lang="fr-CH" smtClean="0"/>
-              <a:t>07.01.2014</a:t>
+              <a:t>14.01.2014</a:t>
             </a:fld>
             <a:endParaRPr lang="en-US" dirty="0"/>
           </a:p>
@@ -4615,7 +4615,7 @@
           <a:p>
             <a:fld id="{A61D9C73-689D-4C6C-8F20-D7F3B1EA77C9}" type="datetime1">
               <a:rPr lang="fr-CH" smtClean="0"/>
-              <a:t>07.01.2014</a:t>
+              <a:t>14.01.2014</a:t>
             </a:fld>
             <a:endParaRPr lang="en-US" dirty="0"/>
           </a:p>
@@ -4785,7 +4785,7 @@
           <a:p>
             <a:fld id="{682AD09F-3180-436E-816E-79AE2F329F10}" type="datetime1">
               <a:rPr lang="fr-CH" smtClean="0"/>
-              <a:t>07.01.2014</a:t>
+              <a:t>14.01.2014</a:t>
             </a:fld>
             <a:endParaRPr lang="en-US" dirty="0"/>
           </a:p>
@@ -5036,7 +5036,7 @@
           <a:p>
             <a:fld id="{8921CAEA-5DF8-4184-8579-722B016BA5B3}" type="datetime1">
               <a:rPr lang="fr-CH" smtClean="0"/>
-              <a:t>07.01.2014</a:t>
+              <a:t>14.01.2014</a:t>
             </a:fld>
             <a:endParaRPr lang="en-US" dirty="0"/>
           </a:p>
@@ -5333,7 +5333,7 @@
           <a:p>
             <a:fld id="{31E5F645-E207-4A07-9BF6-DEE2B12497E1}" type="datetime1">
               <a:rPr lang="fr-CH" smtClean="0"/>
-              <a:t>07.01.2014</a:t>
+              <a:t>14.01.2014</a:t>
             </a:fld>
             <a:endParaRPr lang="en-US" dirty="0"/>
           </a:p>
@@ -5775,7 +5775,7 @@
           <a:p>
             <a:fld id="{327BAF23-CF1D-4B87-9DE6-CEA838016C63}" type="datetime1">
               <a:rPr lang="fr-CH" smtClean="0"/>
-              <a:t>07.01.2014</a:t>
+              <a:t>14.01.2014</a:t>
             </a:fld>
             <a:endParaRPr lang="en-US" dirty="0"/>
           </a:p>
@@ -5893,7 +5893,7 @@
           <a:p>
             <a:fld id="{05097574-F054-46A1-8CEE-61B313CA8A4F}" type="datetime1">
               <a:rPr lang="fr-CH" smtClean="0"/>
-              <a:t>07.01.2014</a:t>
+              <a:t>14.01.2014</a:t>
             </a:fld>
             <a:endParaRPr lang="en-US" dirty="0"/>
           </a:p>
@@ -5988,7 +5988,7 @@
           <a:p>
             <a:fld id="{DF67AD39-77B6-4C9F-8465-A256F9433F94}" type="datetime1">
               <a:rPr lang="fr-CH" smtClean="0"/>
-              <a:t>07.01.2014</a:t>
+              <a:t>14.01.2014</a:t>
             </a:fld>
             <a:endParaRPr lang="en-US" dirty="0"/>
           </a:p>
@@ -6271,7 +6271,7 @@
           <a:p>
             <a:fld id="{30B2F984-B698-4924-AE20-D5DA2C47FF2F}" type="datetime1">
               <a:rPr lang="fr-CH" smtClean="0"/>
-              <a:t>07.01.2014</a:t>
+              <a:t>14.01.2014</a:t>
             </a:fld>
             <a:endParaRPr lang="en-US" dirty="0"/>
           </a:p>
@@ -6562,7 +6562,7 @@
           <a:p>
             <a:fld id="{9188D330-D561-4067-97B5-29C2D033D9F0}" type="datetime1">
               <a:rPr lang="fr-CH" smtClean="0"/>
-              <a:t>07.01.2014</a:t>
+              <a:t>14.01.2014</a:t>
             </a:fld>
             <a:endParaRPr lang="en-US" dirty="0"/>
           </a:p>
@@ -7092,7 +7092,7 @@
           <a:p>
             <a:fld id="{4DA9AAA7-BB5C-4E7B-9942-35D321C854D7}" type="datetime1">
               <a:rPr lang="fr-CH" smtClean="0"/>
-              <a:t>07.01.2014</a:t>
+              <a:t>14.01.2014</a:t>
             </a:fld>
             <a:endParaRPr lang="en-US" dirty="0"/>
           </a:p>
@@ -7673,7 +7673,7 @@
         </p:spPr>
         <p:txBody>
           <a:bodyPr>
-            <a:normAutofit/>
+            <a:normAutofit fontScale="92500" lnSpcReduction="10000"/>
           </a:bodyPr>
           <a:lstStyle/>
           <a:p>
@@ -7688,8 +7688,29 @@
           <a:p>
             <a:r>
               <a:rPr lang="fr-CH" i="1" dirty="0" smtClean="0"/>
-              <a:t> par MUELLER Michael et SAVY Cyrille</a:t>
-            </a:r>
+              <a:t> par MUELLER Michael et SAVY </a:t>
+            </a:r>
+            <a:r>
+              <a:rPr lang="fr-CH" i="1" dirty="0" smtClean="0"/>
+              <a:t>Cyrille</a:t>
+            </a:r>
+          </a:p>
+          <a:p>
+            <a:r>
+              <a:rPr lang="fr-CH" i="1" dirty="0" smtClean="0"/>
+              <a:t>Encadrement :</a:t>
+            </a:r>
+          </a:p>
+          <a:p>
+            <a:r>
+              <a:rPr lang="fr-CH" i="1" dirty="0"/>
+              <a:t>Pazos Escudero </a:t>
+            </a:r>
+            <a:r>
+              <a:rPr lang="fr-CH" i="1" dirty="0" smtClean="0"/>
+              <a:t>Nuria, Rizzotti Aïcha</a:t>
+            </a:r>
+            <a:endParaRPr lang="fr-CH" i="1" dirty="0" smtClean="0"/>
           </a:p>
           <a:p>
             <a:r>
@@ -7710,6 +7731,13 @@
   <p:clrMapOvr>
     <a:masterClrMapping/>
   </p:clrMapOvr>
+  <p:timing>
+    <p:tnLst>
+      <p:par>
+        <p:cTn id="1" dur="indefinite" restart="never" nodeType="tmRoot"/>
+      </p:par>
+    </p:tnLst>
+  </p:timing>
 </p:sld>
 </file>
 
@@ -7740,7 +7768,12 @@
             <p:ph type="title"/>
           </p:nvPr>
         </p:nvSpPr>
-        <p:spPr/>
+        <p:spPr>
+          <a:xfrm>
+            <a:off x="1785650" y="-353292"/>
+            <a:ext cx="10018713" cy="1752599"/>
+          </a:xfrm>
+        </p:spPr>
         <p:txBody>
           <a:bodyPr/>
           <a:lstStyle/>
@@ -7755,52 +7788,6 @@
       </p:sp>
       <p:sp>
         <p:nvSpPr>
-          <p:cNvPr id="3" name="Espace réservé du contenu 2"/>
-          <p:cNvSpPr>
-            <a:spLocks noGrp="1"/>
-          </p:cNvSpPr>
-          <p:nvPr>
-            <p:ph sz="half" idx="1"/>
-          </p:nvPr>
-        </p:nvSpPr>
-        <p:spPr/>
-        <p:txBody>
-          <a:bodyPr/>
-          <a:lstStyle/>
-          <a:p>
-            <a:r>
-              <a:rPr lang="fr-CH" dirty="0" smtClean="0"/>
-              <a:t>«image fragment Bluetooth»</a:t>
-            </a:r>
-            <a:endParaRPr lang="fr-CH" dirty="0"/>
-          </a:p>
-        </p:txBody>
-      </p:sp>
-      <p:sp>
-        <p:nvSpPr>
-          <p:cNvPr id="4" name="Espace réservé du contenu 3"/>
-          <p:cNvSpPr>
-            <a:spLocks noGrp="1"/>
-          </p:cNvSpPr>
-          <p:nvPr>
-            <p:ph sz="half" idx="2"/>
-          </p:nvPr>
-        </p:nvSpPr>
-        <p:spPr/>
-        <p:txBody>
-          <a:bodyPr/>
-          <a:lstStyle/>
-          <a:p>
-            <a:r>
-              <a:rPr lang="fr-CH" dirty="0" smtClean="0"/>
-              <a:t>«image autre fragment»</a:t>
-            </a:r>
-            <a:endParaRPr lang="fr-CH" dirty="0"/>
-          </a:p>
-        </p:txBody>
-      </p:sp>
-      <p:sp>
-        <p:nvSpPr>
           <p:cNvPr id="5" name="Espace réservé de la date 4"/>
           <p:cNvSpPr>
             <a:spLocks noGrp="1"/>
@@ -7816,7 +7803,7 @@
           <a:p>
             <a:fld id="{31E5F645-E207-4A07-9BF6-DEE2B12497E1}" type="datetime1">
               <a:rPr lang="fr-CH" smtClean="0"/>
-              <a:t>07.01.2014</a:t>
+              <a:t>14.01.2014</a:t>
             </a:fld>
             <a:endParaRPr lang="en-US" dirty="0"/>
           </a:p>
@@ -7866,6 +7853,390 @@
               <a:t>10</a:t>
             </a:fld>
             <a:endParaRPr lang="en-US" dirty="0"/>
+          </a:p>
+        </p:txBody>
+      </p:sp>
+      <p:pic>
+        <p:nvPicPr>
+          <p:cNvPr id="1026" name="Picture 2"/>
+          <p:cNvPicPr>
+            <a:picLocks noChangeAspect="1" noChangeArrowheads="1"/>
+          </p:cNvPicPr>
+          <p:nvPr/>
+        </p:nvPicPr>
+        <p:blipFill>
+          <a:blip r:embed="rId3">
+            <a:extLst>
+              <a:ext uri="{28A0092B-C50C-407E-A947-70E740481C1C}">
+                <a14:useLocalDpi xmlns:a14="http://schemas.microsoft.com/office/drawing/2010/main" val="0"/>
+              </a:ext>
+            </a:extLst>
+          </a:blip>
+          <a:srcRect/>
+          <a:stretch>
+            <a:fillRect/>
+          </a:stretch>
+        </p:blipFill>
+        <p:spPr bwMode="auto">
+          <a:xfrm>
+            <a:off x="9922223" y="2235179"/>
+            <a:ext cx="1857207" cy="3301701"/>
+          </a:xfrm>
+          <a:prstGeom prst="rect">
+            <a:avLst/>
+          </a:prstGeom>
+          <a:noFill/>
+          <a:ln>
+            <a:noFill/>
+          </a:ln>
+          <a:effectLst/>
+          <a:extLst>
+            <a:ext uri="{909E8E84-426E-40DD-AFC4-6F175D3DCCD1}">
+              <a14:hiddenFill xmlns:a14="http://schemas.microsoft.com/office/drawing/2010/main">
+                <a:solidFill>
+                  <a:schemeClr val="accent1"/>
+                </a:solidFill>
+              </a14:hiddenFill>
+            </a:ext>
+            <a:ext uri="{91240B29-F687-4F45-9708-019B960494DF}">
+              <a14:hiddenLine xmlns:a14="http://schemas.microsoft.com/office/drawing/2010/main" w="9525">
+                <a:solidFill>
+                  <a:schemeClr val="tx1"/>
+                </a:solidFill>
+                <a:miter lim="800000"/>
+                <a:headEnd/>
+                <a:tailEnd/>
+              </a14:hiddenLine>
+            </a:ext>
+            <a:ext uri="{AF507438-7753-43E0-B8FC-AC1667EBCBE1}">
+              <a14:hiddenEffects xmlns:a14="http://schemas.microsoft.com/office/drawing/2010/main">
+                <a:effectLst>
+                  <a:outerShdw dist="35921" dir="2700000" algn="ctr" rotWithShape="0">
+                    <a:schemeClr val="bg2"/>
+                  </a:outerShdw>
+                </a:effectLst>
+              </a14:hiddenEffects>
+            </a:ext>
+          </a:extLst>
+        </p:spPr>
+      </p:pic>
+      <p:pic>
+        <p:nvPicPr>
+          <p:cNvPr id="1027" name="Picture 3"/>
+          <p:cNvPicPr>
+            <a:picLocks noChangeAspect="1" noChangeArrowheads="1"/>
+          </p:cNvPicPr>
+          <p:nvPr/>
+        </p:nvPicPr>
+        <p:blipFill>
+          <a:blip r:embed="rId4">
+            <a:extLst>
+              <a:ext uri="{28A0092B-C50C-407E-A947-70E740481C1C}">
+                <a14:useLocalDpi xmlns:a14="http://schemas.microsoft.com/office/drawing/2010/main" val="0"/>
+              </a:ext>
+            </a:extLst>
+          </a:blip>
+          <a:srcRect/>
+          <a:stretch>
+            <a:fillRect/>
+          </a:stretch>
+        </p:blipFill>
+        <p:spPr bwMode="auto">
+          <a:xfrm>
+            <a:off x="2028839" y="2236568"/>
+            <a:ext cx="1870713" cy="3325713"/>
+          </a:xfrm>
+          <a:prstGeom prst="rect">
+            <a:avLst/>
+          </a:prstGeom>
+          <a:noFill/>
+          <a:ln>
+            <a:noFill/>
+          </a:ln>
+          <a:effectLst/>
+          <a:extLst>
+            <a:ext uri="{909E8E84-426E-40DD-AFC4-6F175D3DCCD1}">
+              <a14:hiddenFill xmlns:a14="http://schemas.microsoft.com/office/drawing/2010/main">
+                <a:solidFill>
+                  <a:schemeClr val="accent1"/>
+                </a:solidFill>
+              </a14:hiddenFill>
+            </a:ext>
+            <a:ext uri="{91240B29-F687-4F45-9708-019B960494DF}">
+              <a14:hiddenLine xmlns:a14="http://schemas.microsoft.com/office/drawing/2010/main" w="9525">
+                <a:solidFill>
+                  <a:schemeClr val="tx1"/>
+                </a:solidFill>
+                <a:miter lim="800000"/>
+                <a:headEnd/>
+                <a:tailEnd/>
+              </a14:hiddenLine>
+            </a:ext>
+            <a:ext uri="{AF507438-7753-43E0-B8FC-AC1667EBCBE1}">
+              <a14:hiddenEffects xmlns:a14="http://schemas.microsoft.com/office/drawing/2010/main">
+                <a:effectLst>
+                  <a:outerShdw dist="35921" dir="2700000" algn="ctr" rotWithShape="0">
+                    <a:schemeClr val="bg2"/>
+                  </a:outerShdw>
+                </a:effectLst>
+              </a14:hiddenEffects>
+            </a:ext>
+          </a:extLst>
+        </p:spPr>
+      </p:pic>
+      <p:pic>
+        <p:nvPicPr>
+          <p:cNvPr id="1028" name="Picture 4"/>
+          <p:cNvPicPr>
+            <a:picLocks noChangeAspect="1" noChangeArrowheads="1"/>
+          </p:cNvPicPr>
+          <p:nvPr/>
+        </p:nvPicPr>
+        <p:blipFill>
+          <a:blip r:embed="rId5">
+            <a:extLst>
+              <a:ext uri="{28A0092B-C50C-407E-A947-70E740481C1C}">
+                <a14:useLocalDpi xmlns:a14="http://schemas.microsoft.com/office/drawing/2010/main" val="0"/>
+              </a:ext>
+            </a:extLst>
+          </a:blip>
+          <a:srcRect/>
+          <a:stretch>
+            <a:fillRect/>
+          </a:stretch>
+        </p:blipFill>
+        <p:spPr bwMode="auto">
+          <a:xfrm>
+            <a:off x="4650360" y="2236568"/>
+            <a:ext cx="1871495" cy="3327101"/>
+          </a:xfrm>
+          <a:prstGeom prst="rect">
+            <a:avLst/>
+          </a:prstGeom>
+          <a:noFill/>
+          <a:ln>
+            <a:noFill/>
+          </a:ln>
+          <a:effectLst/>
+          <a:extLst>
+            <a:ext uri="{909E8E84-426E-40DD-AFC4-6F175D3DCCD1}">
+              <a14:hiddenFill xmlns:a14="http://schemas.microsoft.com/office/drawing/2010/main">
+                <a:solidFill>
+                  <a:schemeClr val="accent1"/>
+                </a:solidFill>
+              </a14:hiddenFill>
+            </a:ext>
+            <a:ext uri="{91240B29-F687-4F45-9708-019B960494DF}">
+              <a14:hiddenLine xmlns:a14="http://schemas.microsoft.com/office/drawing/2010/main" w="9525">
+                <a:solidFill>
+                  <a:schemeClr val="tx1"/>
+                </a:solidFill>
+                <a:miter lim="800000"/>
+                <a:headEnd/>
+                <a:tailEnd/>
+              </a14:hiddenLine>
+            </a:ext>
+            <a:ext uri="{AF507438-7753-43E0-B8FC-AC1667EBCBE1}">
+              <a14:hiddenEffects xmlns:a14="http://schemas.microsoft.com/office/drawing/2010/main">
+                <a:effectLst>
+                  <a:outerShdw dist="35921" dir="2700000" algn="ctr" rotWithShape="0">
+                    <a:schemeClr val="bg2"/>
+                  </a:outerShdw>
+                </a:effectLst>
+              </a14:hiddenEffects>
+            </a:ext>
+          </a:extLst>
+        </p:spPr>
+      </p:pic>
+      <p:pic>
+        <p:nvPicPr>
+          <p:cNvPr id="1029" name="Picture 5"/>
+          <p:cNvPicPr>
+            <a:picLocks noChangeAspect="1" noChangeArrowheads="1"/>
+          </p:cNvPicPr>
+          <p:nvPr/>
+        </p:nvPicPr>
+        <p:blipFill>
+          <a:blip r:embed="rId6">
+            <a:extLst>
+              <a:ext uri="{28A0092B-C50C-407E-A947-70E740481C1C}">
+                <a14:useLocalDpi xmlns:a14="http://schemas.microsoft.com/office/drawing/2010/main" val="0"/>
+              </a:ext>
+            </a:extLst>
+          </a:blip>
+          <a:srcRect/>
+          <a:stretch>
+            <a:fillRect/>
+          </a:stretch>
+        </p:blipFill>
+        <p:spPr bwMode="auto">
+          <a:xfrm>
+            <a:off x="7401257" y="2236568"/>
+            <a:ext cx="1870714" cy="3325713"/>
+          </a:xfrm>
+          <a:prstGeom prst="rect">
+            <a:avLst/>
+          </a:prstGeom>
+          <a:noFill/>
+          <a:ln>
+            <a:noFill/>
+          </a:ln>
+          <a:effectLst/>
+          <a:extLst>
+            <a:ext uri="{909E8E84-426E-40DD-AFC4-6F175D3DCCD1}">
+              <a14:hiddenFill xmlns:a14="http://schemas.microsoft.com/office/drawing/2010/main">
+                <a:solidFill>
+                  <a:schemeClr val="accent1"/>
+                </a:solidFill>
+              </a14:hiddenFill>
+            </a:ext>
+            <a:ext uri="{91240B29-F687-4F45-9708-019B960494DF}">
+              <a14:hiddenLine xmlns:a14="http://schemas.microsoft.com/office/drawing/2010/main" w="9525">
+                <a:solidFill>
+                  <a:schemeClr val="tx1"/>
+                </a:solidFill>
+                <a:miter lim="800000"/>
+                <a:headEnd/>
+                <a:tailEnd/>
+              </a14:hiddenLine>
+            </a:ext>
+            <a:ext uri="{AF507438-7753-43E0-B8FC-AC1667EBCBE1}">
+              <a14:hiddenEffects xmlns:a14="http://schemas.microsoft.com/office/drawing/2010/main">
+                <a:effectLst>
+                  <a:outerShdw dist="35921" dir="2700000" algn="ctr" rotWithShape="0">
+                    <a:schemeClr val="bg2"/>
+                  </a:outerShdw>
+                </a:effectLst>
+              </a14:hiddenEffects>
+            </a:ext>
+          </a:extLst>
+        </p:spPr>
+      </p:pic>
+      <p:sp>
+        <p:nvSpPr>
+          <p:cNvPr id="3" name="Flèche droite rayée 2"/>
+          <p:cNvSpPr/>
+          <p:nvPr/>
+        </p:nvSpPr>
+        <p:spPr>
+          <a:xfrm>
+            <a:off x="8253486" y="935758"/>
+            <a:ext cx="1733550" cy="1144946"/>
+          </a:xfrm>
+          <a:prstGeom prst="stripedRightArrow">
+            <a:avLst>
+              <a:gd name="adj1" fmla="val 36672"/>
+              <a:gd name="adj2" fmla="val 38026"/>
+            </a:avLst>
+          </a:prstGeom>
+        </p:spPr>
+        <p:style>
+          <a:lnRef idx="2">
+            <a:schemeClr val="accent1">
+              <a:shade val="50000"/>
+            </a:schemeClr>
+          </a:lnRef>
+          <a:fillRef idx="1">
+            <a:schemeClr val="accent1"/>
+          </a:fillRef>
+          <a:effectRef idx="0">
+            <a:schemeClr val="accent1"/>
+          </a:effectRef>
+          <a:fontRef idx="minor">
+            <a:schemeClr val="lt1"/>
+          </a:fontRef>
+        </p:style>
+        <p:txBody>
+          <a:bodyPr rtlCol="0" anchor="ctr"/>
+          <a:lstStyle/>
+          <a:p>
+            <a:pPr algn="ctr"/>
+            <a:endParaRPr lang="fr-CH"/>
+          </a:p>
+        </p:txBody>
+      </p:sp>
+      <p:sp>
+        <p:nvSpPr>
+          <p:cNvPr id="12" name="Flèche droite rayée 11"/>
+          <p:cNvSpPr/>
+          <p:nvPr/>
+        </p:nvSpPr>
+        <p:spPr>
+          <a:xfrm rot="10800000">
+            <a:off x="3687371" y="935758"/>
+            <a:ext cx="1733550" cy="1144946"/>
+          </a:xfrm>
+          <a:prstGeom prst="stripedRightArrow">
+            <a:avLst>
+              <a:gd name="adj1" fmla="val 36672"/>
+              <a:gd name="adj2" fmla="val 38026"/>
+            </a:avLst>
+          </a:prstGeom>
+        </p:spPr>
+        <p:style>
+          <a:lnRef idx="2">
+            <a:schemeClr val="accent1">
+              <a:shade val="50000"/>
+            </a:schemeClr>
+          </a:lnRef>
+          <a:fillRef idx="1">
+            <a:schemeClr val="accent1"/>
+          </a:fillRef>
+          <a:effectRef idx="0">
+            <a:schemeClr val="accent1"/>
+          </a:effectRef>
+          <a:fontRef idx="minor">
+            <a:schemeClr val="lt1"/>
+          </a:fontRef>
+        </p:style>
+        <p:txBody>
+          <a:bodyPr rtlCol="0" anchor="ctr"/>
+          <a:lstStyle/>
+          <a:p>
+            <a:pPr algn="ctr"/>
+            <a:endParaRPr lang="fr-CH"/>
+          </a:p>
+        </p:txBody>
+      </p:sp>
+      <p:sp>
+        <p:nvSpPr>
+          <p:cNvPr id="4" name="ZoneTexte 3"/>
+          <p:cNvSpPr txBox="1"/>
+          <p:nvPr/>
+        </p:nvSpPr>
+        <p:spPr>
+          <a:xfrm>
+            <a:off x="5970572" y="1195061"/>
+            <a:ext cx="1936909" cy="584775"/>
+          </a:xfrm>
+          <a:prstGeom prst="rect">
+            <a:avLst/>
+          </a:prstGeom>
+          <a:noFill/>
+        </p:spPr>
+        <p:txBody>
+          <a:bodyPr wrap="square" rtlCol="0">
+            <a:spAutoFit/>
+          </a:bodyPr>
+          <a:lstStyle/>
+          <a:p>
+            <a:r>
+              <a:rPr lang="fr-CH" sz="3200" b="1" dirty="0" smtClean="0">
+                <a:solidFill>
+                  <a:schemeClr val="accent1">
+                    <a:lumMod val="75000"/>
+                  </a:schemeClr>
+                </a:solidFill>
+              </a:rPr>
+              <a:t>«Glisser»</a:t>
+            </a:r>
+            <a:endParaRPr lang="fr-CH" sz="3200" b="1" dirty="0">
+              <a:solidFill>
+                <a:schemeClr val="accent1">
+                  <a:lumMod val="75000"/>
+                </a:schemeClr>
+              </a:solidFill>
+            </a:endParaRPr>
           </a:p>
         </p:txBody>
       </p:sp>
@@ -7879,6 +8250,13 @@
   <p:clrMapOvr>
     <a:masterClrMapping/>
   </p:clrMapOvr>
+  <p:timing>
+    <p:tnLst>
+      <p:par>
+        <p:cTn id="1" dur="indefinite" restart="never" nodeType="tmRoot"/>
+      </p:par>
+    </p:tnLst>
+  </p:timing>
 </p:sld>
 </file>
 
@@ -7974,7 +8352,7 @@
           <a:p>
             <a:fld id="{682AD09F-3180-436E-816E-79AE2F329F10}" type="datetime1">
               <a:rPr lang="fr-CH" smtClean="0"/>
-              <a:t>07.01.2014</a:t>
+              <a:t>14.01.2014</a:t>
             </a:fld>
             <a:endParaRPr lang="en-US" dirty="0"/>
           </a:p>
@@ -8037,6 +8415,13 @@
   <p:clrMapOvr>
     <a:masterClrMapping/>
   </p:clrMapOvr>
+  <p:timing>
+    <p:tnLst>
+      <p:par>
+        <p:cTn id="1" dur="indefinite" restart="never" nodeType="tmRoot"/>
+      </p:par>
+    </p:tnLst>
+  </p:timing>
 </p:sld>
 </file>
 
@@ -8067,7 +8452,12 @@
             <p:ph type="title"/>
           </p:nvPr>
         </p:nvSpPr>
-        <p:spPr/>
+        <p:spPr>
+          <a:xfrm>
+            <a:off x="1811858" y="1525564"/>
+            <a:ext cx="3549121" cy="1371600"/>
+          </a:xfrm>
+        </p:spPr>
         <p:txBody>
           <a:bodyPr/>
           <a:lstStyle/>
@@ -8086,29 +8476,6 @@
       </p:sp>
       <p:sp>
         <p:nvSpPr>
-          <p:cNvPr id="3" name="Espace réservé du contenu 2"/>
-          <p:cNvSpPr>
-            <a:spLocks noGrp="1"/>
-          </p:cNvSpPr>
-          <p:nvPr>
-            <p:ph idx="1"/>
-          </p:nvPr>
-        </p:nvSpPr>
-        <p:spPr/>
-        <p:txBody>
-          <a:bodyPr/>
-          <a:lstStyle/>
-          <a:p>
-            <a:r>
-              <a:rPr lang="fr-CH" dirty="0" smtClean="0"/>
-              <a:t>«diagramme des couches»</a:t>
-            </a:r>
-            <a:endParaRPr lang="fr-CH" dirty="0"/>
-          </a:p>
-        </p:txBody>
-      </p:sp>
-      <p:sp>
-        <p:nvSpPr>
           <p:cNvPr id="4" name="Espace réservé du texte 3"/>
           <p:cNvSpPr>
             <a:spLocks noGrp="1"/>
@@ -8117,7 +8484,12 @@
             <p:ph type="body" sz="half" idx="2"/>
           </p:nvPr>
         </p:nvSpPr>
-        <p:spPr/>
+        <p:spPr>
+          <a:xfrm>
+            <a:off x="1797119" y="2759048"/>
+            <a:ext cx="3549121" cy="1828800"/>
+          </a:xfrm>
+        </p:spPr>
         <p:txBody>
           <a:bodyPr/>
           <a:lstStyle/>
@@ -8151,7 +8523,7 @@
           <a:p>
             <a:fld id="{30B2F984-B698-4924-AE20-D5DA2C47FF2F}" type="datetime1">
               <a:rPr lang="fr-CH" smtClean="0"/>
-              <a:t>07.01.2014</a:t>
+              <a:t>14.01.2014</a:t>
             </a:fld>
             <a:endParaRPr lang="en-US" dirty="0"/>
           </a:p>
@@ -8201,6 +8573,147 @@
               <a:t>12</a:t>
             </a:fld>
             <a:endParaRPr lang="en-US" dirty="0"/>
+          </a:p>
+        </p:txBody>
+      </p:sp>
+      <p:pic>
+        <p:nvPicPr>
+          <p:cNvPr id="1030" name="Picture 6" descr="http://services.eng.uts.edu.au/~kumbes/ra/Wireless_Networks/Bluetooth/bluetooth_files/image02.jpg"/>
+          <p:cNvPicPr>
+            <a:picLocks noChangeAspect="1" noChangeArrowheads="1"/>
+          </p:cNvPicPr>
+          <p:nvPr/>
+        </p:nvPicPr>
+        <p:blipFill>
+          <a:blip r:embed="rId2">
+            <a:extLst>
+              <a:ext uri="{28A0092B-C50C-407E-A947-70E740481C1C}">
+                <a14:useLocalDpi xmlns:a14="http://schemas.microsoft.com/office/drawing/2010/main" val="0"/>
+              </a:ext>
+            </a:extLst>
+          </a:blip>
+          <a:srcRect/>
+          <a:stretch>
+            <a:fillRect/>
+          </a:stretch>
+        </p:blipFill>
+        <p:spPr bwMode="auto">
+          <a:xfrm>
+            <a:off x="6024110" y="829600"/>
+            <a:ext cx="5671681" cy="4957050"/>
+          </a:xfrm>
+          <a:prstGeom prst="rect">
+            <a:avLst/>
+          </a:prstGeom>
+          <a:noFill/>
+          <a:extLst>
+            <a:ext uri="{909E8E84-426E-40DD-AFC4-6F175D3DCCD1}">
+              <a14:hiddenFill xmlns:a14="http://schemas.microsoft.com/office/drawing/2010/main">
+                <a:solidFill>
+                  <a:srgbClr val="FFFFFF"/>
+                </a:solidFill>
+              </a14:hiddenFill>
+            </a:ext>
+          </a:extLst>
+        </p:spPr>
+      </p:pic>
+      <p:pic>
+        <p:nvPicPr>
+          <p:cNvPr id="1031" name="Picture 7"/>
+          <p:cNvPicPr>
+            <a:picLocks noChangeAspect="1" noChangeArrowheads="1"/>
+          </p:cNvPicPr>
+          <p:nvPr/>
+        </p:nvPicPr>
+        <p:blipFill rotWithShape="1">
+          <a:blip r:embed="rId3">
+            <a:extLst>
+              <a:ext uri="{28A0092B-C50C-407E-A947-70E740481C1C}">
+                <a14:useLocalDpi xmlns:a14="http://schemas.microsoft.com/office/drawing/2010/main" val="0"/>
+              </a:ext>
+            </a:extLst>
+          </a:blip>
+          <a:srcRect l="8811" t="39547" r="62532" b="29447"/>
+          <a:stretch/>
+        </p:blipFill>
+        <p:spPr bwMode="auto">
+          <a:xfrm>
+            <a:off x="6318913" y="1132764"/>
+            <a:ext cx="2156347" cy="713656"/>
+          </a:xfrm>
+          <a:prstGeom prst="rect">
+            <a:avLst/>
+          </a:prstGeom>
+          <a:noFill/>
+          <a:ln>
+            <a:noFill/>
+          </a:ln>
+          <a:extLst>
+            <a:ext uri="{909E8E84-426E-40DD-AFC4-6F175D3DCCD1}">
+              <a14:hiddenFill xmlns:a14="http://schemas.microsoft.com/office/drawing/2010/main">
+                <a:solidFill>
+                  <a:schemeClr val="accent1"/>
+                </a:solidFill>
+              </a14:hiddenFill>
+            </a:ext>
+            <a:ext uri="{91240B29-F687-4F45-9708-019B960494DF}">
+              <a14:hiddenLine xmlns:a14="http://schemas.microsoft.com/office/drawing/2010/main" w="9525">
+                <a:solidFill>
+                  <a:schemeClr val="tx1"/>
+                </a:solidFill>
+                <a:miter lim="800000"/>
+                <a:headEnd/>
+                <a:tailEnd/>
+              </a14:hiddenLine>
+            </a:ext>
+          </a:extLst>
+        </p:spPr>
+      </p:pic>
+      <p:sp>
+        <p:nvSpPr>
+          <p:cNvPr id="8" name="Rectangle 7"/>
+          <p:cNvSpPr/>
+          <p:nvPr/>
+        </p:nvSpPr>
+        <p:spPr>
+          <a:xfrm>
+            <a:off x="8485651" y="1132764"/>
+            <a:ext cx="1282889" cy="713656"/>
+          </a:xfrm>
+          <a:prstGeom prst="rect">
+            <a:avLst/>
+          </a:prstGeom>
+          <a:solidFill>
+            <a:schemeClr val="bg1"/>
+          </a:solidFill>
+          <a:ln>
+            <a:solidFill>
+              <a:schemeClr val="tx1"/>
+            </a:solidFill>
+          </a:ln>
+        </p:spPr>
+        <p:style>
+          <a:lnRef idx="2">
+            <a:schemeClr val="accent1">
+              <a:shade val="50000"/>
+            </a:schemeClr>
+          </a:lnRef>
+          <a:fillRef idx="1">
+            <a:schemeClr val="accent1"/>
+          </a:fillRef>
+          <a:effectRef idx="0">
+            <a:schemeClr val="accent1"/>
+          </a:effectRef>
+          <a:fontRef idx="minor">
+            <a:schemeClr val="lt1"/>
+          </a:fontRef>
+        </p:style>
+        <p:txBody>
+          <a:bodyPr rtlCol="0" anchor="ctr"/>
+          <a:lstStyle/>
+          <a:p>
+            <a:pPr algn="ctr"/>
+            <a:endParaRPr lang="fr-CH"/>
           </a:p>
         </p:txBody>
       </p:sp>
@@ -8214,6 +8727,13 @@
   <p:clrMapOvr>
     <a:masterClrMapping/>
   </p:clrMapOvr>
+  <p:timing>
+    <p:tnLst>
+      <p:par>
+        <p:cTn id="1" dur="indefinite" restart="never" nodeType="tmRoot"/>
+      </p:par>
+    </p:tnLst>
+  </p:timing>
 </p:sld>
 </file>
 
@@ -8259,29 +8779,6 @@
       </p:sp>
       <p:sp>
         <p:nvSpPr>
-          <p:cNvPr id="3" name="Espace réservé du contenu 2"/>
-          <p:cNvSpPr>
-            <a:spLocks noGrp="1"/>
-          </p:cNvSpPr>
-          <p:nvPr>
-            <p:ph idx="1"/>
-          </p:nvPr>
-        </p:nvSpPr>
-        <p:spPr/>
-        <p:txBody>
-          <a:bodyPr/>
-          <a:lstStyle/>
-          <a:p>
-            <a:r>
-              <a:rPr lang="fr-CH" dirty="0" smtClean="0"/>
-              <a:t>«schéma ou image de la carte pour illustrer ce qu’elle peut faire»</a:t>
-            </a:r>
-            <a:endParaRPr lang="fr-CH" dirty="0"/>
-          </a:p>
-        </p:txBody>
-      </p:sp>
-      <p:sp>
-        <p:nvSpPr>
           <p:cNvPr id="4" name="Espace réservé du texte 3"/>
           <p:cNvSpPr>
             <a:spLocks noGrp="1"/>
@@ -8320,7 +8817,7 @@
           <a:p>
             <a:fld id="{30B2F984-B698-4924-AE20-D5DA2C47FF2F}" type="datetime1">
               <a:rPr lang="fr-CH" smtClean="0"/>
-              <a:t>07.01.2014</a:t>
+              <a:t>14.01.2014</a:t>
             </a:fld>
             <a:endParaRPr lang="en-US" dirty="0"/>
           </a:p>
@@ -8373,6 +8870,60 @@
           </a:p>
         </p:txBody>
       </p:sp>
+      <p:pic>
+        <p:nvPicPr>
+          <p:cNvPr id="2050" name="Picture 2"/>
+          <p:cNvPicPr>
+            <a:picLocks noChangeAspect="1" noChangeArrowheads="1"/>
+          </p:cNvPicPr>
+          <p:nvPr/>
+        </p:nvPicPr>
+        <p:blipFill>
+          <a:blip r:embed="rId3">
+            <a:extLst>
+              <a:ext uri="{28A0092B-C50C-407E-A947-70E740481C1C}">
+                <a14:useLocalDpi xmlns:a14="http://schemas.microsoft.com/office/drawing/2010/main" val="0"/>
+              </a:ext>
+            </a:extLst>
+          </a:blip>
+          <a:srcRect/>
+          <a:stretch>
+            <a:fillRect/>
+          </a:stretch>
+        </p:blipFill>
+        <p:spPr bwMode="auto">
+          <a:xfrm>
+            <a:off x="6641090" y="423016"/>
+            <a:ext cx="3458874" cy="5288020"/>
+          </a:xfrm>
+          <a:prstGeom prst="rect">
+            <a:avLst/>
+          </a:prstGeom>
+          <a:noFill/>
+          <a:ln>
+            <a:noFill/>
+          </a:ln>
+          <a:extLst>
+            <a:ext uri="{909E8E84-426E-40DD-AFC4-6F175D3DCCD1}">
+              <a14:hiddenFill xmlns:a14="http://schemas.microsoft.com/office/drawing/2010/main">
+                <a:solidFill>
+                  <a:schemeClr val="accent1"/>
+                </a:solidFill>
+              </a14:hiddenFill>
+            </a:ext>
+            <a:ext uri="{91240B29-F687-4F45-9708-019B960494DF}">
+              <a14:hiddenLine xmlns:a14="http://schemas.microsoft.com/office/drawing/2010/main" w="9525">
+                <a:solidFill>
+                  <a:schemeClr val="tx1"/>
+                </a:solidFill>
+                <a:miter lim="800000"/>
+                <a:headEnd/>
+                <a:tailEnd/>
+              </a14:hiddenLine>
+            </a:ext>
+          </a:extLst>
+        </p:spPr>
+      </p:pic>
     </p:spTree>
     <p:extLst>
       <p:ext uri="{BB962C8B-B14F-4D97-AF65-F5344CB8AC3E}">
@@ -8383,6 +8934,13 @@
   <p:clrMapOvr>
     <a:masterClrMapping/>
   </p:clrMapOvr>
+  <p:timing>
+    <p:tnLst>
+      <p:par>
+        <p:cTn id="1" dur="indefinite" restart="never" nodeType="tmRoot"/>
+      </p:par>
+    </p:tnLst>
+  </p:timing>
 </p:sld>
 </file>
 
@@ -8466,7 +9024,7 @@
           <a:p>
             <a:fld id="{8921CAEA-5DF8-4184-8579-722B016BA5B3}" type="datetime1">
               <a:rPr lang="fr-CH" smtClean="0"/>
-              <a:t>07.01.2014</a:t>
+              <a:t>14.01.2014</a:t>
             </a:fld>
             <a:endParaRPr lang="en-US" dirty="0"/>
           </a:p>
@@ -8529,6 +9087,13 @@
   <p:clrMapOvr>
     <a:masterClrMapping/>
   </p:clrMapOvr>
+  <p:timing>
+    <p:tnLst>
+      <p:par>
+        <p:cTn id="1" dur="indefinite" restart="never" nodeType="tmRoot"/>
+      </p:par>
+    </p:tnLst>
+  </p:timing>
 </p:sld>
 </file>
 
@@ -8582,23 +9147,92 @@
             <p:ph sz="half" idx="1"/>
           </p:nvPr>
         </p:nvSpPr>
-        <p:spPr/>
+        <p:spPr>
+          <a:xfrm>
+            <a:off x="1546657" y="2334490"/>
+            <a:ext cx="5706198" cy="3124201"/>
+          </a:xfrm>
+        </p:spPr>
         <p:txBody>
           <a:bodyPr/>
           <a:lstStyle/>
           <a:p>
             <a:r>
               <a:rPr lang="fr-CH" dirty="0" smtClean="0"/>
-              <a:t>«exemple de trame»</a:t>
-            </a:r>
-          </a:p>
-          <a:p>
+              <a:t>$ «CMD»_ «</a:t>
+            </a:r>
+            <a:r>
+              <a:rPr lang="fr-CH" dirty="0"/>
+              <a:t>PARAMS»_&lt;CR&gt;&lt;LF</a:t>
+            </a:r>
             <a:r>
               <a:rPr lang="fr-CH" dirty="0" smtClean="0"/>
-              <a:t>«explication de la trame»</a:t>
+              <a:t>&gt;</a:t>
             </a:r>
             <a:endParaRPr lang="fr-CH" dirty="0"/>
           </a:p>
+          <a:p>
+            <a:pPr marL="0" indent="0">
+              <a:buNone/>
+            </a:pPr>
+            <a:endParaRPr lang="fr-CH" dirty="0" smtClean="0"/>
+          </a:p>
+          <a:p>
+            <a:pPr marL="0" indent="0">
+              <a:buNone/>
+            </a:pPr>
+            <a:r>
+              <a:rPr lang="fr-CH" dirty="0" smtClean="0"/>
+              <a:t>Exemple :</a:t>
+            </a:r>
+          </a:p>
+          <a:p>
+            <a:r>
+              <a:rPr lang="fr-CH" dirty="0" smtClean="0"/>
+              <a:t>$1_5_1_</a:t>
+            </a:r>
+            <a:r>
+              <a:rPr lang="fr-CH" dirty="0"/>
+              <a:t>&lt;CR&gt;&lt;LF</a:t>
+            </a:r>
+            <a:r>
+              <a:rPr lang="fr-CH" dirty="0" smtClean="0"/>
+              <a:t>&gt; =&gt; Allume la LED 5 </a:t>
+            </a:r>
+            <a:endParaRPr lang="fr-CH" dirty="0"/>
+          </a:p>
+          <a:p>
+            <a:r>
+              <a:rPr lang="fr-CH" dirty="0" smtClean="0"/>
+              <a:t>$3_58_&lt;</a:t>
+            </a:r>
+            <a:r>
+              <a:rPr lang="fr-CH" dirty="0"/>
+              <a:t>CR&gt;&lt;LF&gt; =&gt; </a:t>
+            </a:r>
+            <a:r>
+              <a:rPr lang="fr-CH" dirty="0" smtClean="0"/>
+              <a:t>La position du pot. est à 58% </a:t>
+            </a:r>
+          </a:p>
+          <a:p>
+            <a:r>
+              <a:rPr lang="fr-CH" dirty="0" smtClean="0"/>
+              <a:t>$2_1_1_0_1_</a:t>
+            </a:r>
+            <a:r>
+              <a:rPr lang="fr-CH" dirty="0"/>
+              <a:t>&lt;CR&gt;&lt;LF</a:t>
+            </a:r>
+            <a:r>
+              <a:rPr lang="fr-CH" dirty="0" smtClean="0"/>
+              <a:t>&gt; =&gt; Les boutons sont à «1101»</a:t>
+            </a:r>
+            <a:endParaRPr lang="fr-CH" dirty="0"/>
+          </a:p>
+          <a:p>
+            <a:endParaRPr lang="fr-CH" dirty="0" smtClean="0"/>
+          </a:p>
         </p:txBody>
       </p:sp>
       <p:sp>
@@ -8611,7 +9245,12 @@
             <p:ph sz="half" idx="2"/>
           </p:nvPr>
         </p:nvSpPr>
-        <p:spPr/>
+        <p:spPr>
+          <a:xfrm>
+            <a:off x="7200249" y="1648691"/>
+            <a:ext cx="4895056" cy="3124200"/>
+          </a:xfrm>
+        </p:spPr>
         <p:txBody>
           <a:bodyPr/>
           <a:lstStyle/>
@@ -8647,7 +9286,7 @@
           <a:p>
             <a:fld id="{31E5F645-E207-4A07-9BF6-DEE2B12497E1}" type="datetime1">
               <a:rPr lang="fr-CH" smtClean="0"/>
-              <a:t>07.01.2014</a:t>
+              <a:t>14.01.2014</a:t>
             </a:fld>
             <a:endParaRPr lang="en-US" dirty="0"/>
           </a:p>
@@ -8710,6 +9349,13 @@
   <p:clrMapOvr>
     <a:masterClrMapping/>
   </p:clrMapOvr>
+  <p:timing>
+    <p:tnLst>
+      <p:par>
+        <p:cTn id="1" dur="indefinite" restart="never" nodeType="tmRoot"/>
+      </p:par>
+    </p:tnLst>
+  </p:timing>
 </p:sld>
 </file>
 
@@ -8755,44 +9401,6 @@
       </p:sp>
       <p:sp>
         <p:nvSpPr>
-          <p:cNvPr id="3" name="Espace réservé du contenu 2"/>
-          <p:cNvSpPr>
-            <a:spLocks noGrp="1"/>
-          </p:cNvSpPr>
-          <p:nvPr>
-            <p:ph sz="half" idx="1"/>
-          </p:nvPr>
-        </p:nvSpPr>
-        <p:spPr/>
-        <p:txBody>
-          <a:bodyPr/>
-          <a:lstStyle/>
-          <a:p>
-            <a:endParaRPr lang="fr-CH"/>
-          </a:p>
-        </p:txBody>
-      </p:sp>
-      <p:sp>
-        <p:nvSpPr>
-          <p:cNvPr id="4" name="Espace réservé du contenu 3"/>
-          <p:cNvSpPr>
-            <a:spLocks noGrp="1"/>
-          </p:cNvSpPr>
-          <p:nvPr>
-            <p:ph sz="half" idx="2"/>
-          </p:nvPr>
-        </p:nvSpPr>
-        <p:spPr/>
-        <p:txBody>
-          <a:bodyPr/>
-          <a:lstStyle/>
-          <a:p>
-            <a:endParaRPr lang="fr-CH"/>
-          </a:p>
-        </p:txBody>
-      </p:sp>
-      <p:sp>
-        <p:nvSpPr>
           <p:cNvPr id="5" name="Espace réservé de la date 4"/>
           <p:cNvSpPr>
             <a:spLocks noGrp="1"/>
@@ -8808,7 +9416,7 @@
           <a:p>
             <a:fld id="{31E5F645-E207-4A07-9BF6-DEE2B12497E1}" type="datetime1">
               <a:rPr lang="fr-CH" smtClean="0"/>
-              <a:t>07.01.2014</a:t>
+              <a:t>14.01.2014</a:t>
             </a:fld>
             <a:endParaRPr lang="en-US" dirty="0"/>
           </a:p>
@@ -8861,6 +9469,119 @@
           </a:p>
         </p:txBody>
       </p:sp>
+      <p:sp>
+        <p:nvSpPr>
+          <p:cNvPr id="8" name="ZoneTexte 7"/>
+          <p:cNvSpPr txBox="1"/>
+          <p:nvPr/>
+        </p:nvSpPr>
+        <p:spPr>
+          <a:xfrm>
+            <a:off x="7306984" y="2935077"/>
+            <a:ext cx="7138554" cy="923330"/>
+          </a:xfrm>
+          <a:prstGeom prst="rect">
+            <a:avLst/>
+          </a:prstGeom>
+          <a:noFill/>
+        </p:spPr>
+        <p:txBody>
+          <a:bodyPr wrap="square" rtlCol="0">
+            <a:spAutoFit/>
+          </a:bodyPr>
+          <a:lstStyle/>
+          <a:p>
+            <a:pPr marL="285750" indent="-285750">
+              <a:buFont typeface="Arial" panose="020B0604020202020204" pitchFamily="34" charset="0"/>
+              <a:buChar char="•"/>
+            </a:pPr>
+            <a:r>
+              <a:rPr lang="fr-CH" dirty="0" smtClean="0"/>
+              <a:t>Port série virtuel ( RFCOMM)</a:t>
+            </a:r>
+          </a:p>
+          <a:p>
+            <a:pPr marL="285750" indent="-285750">
+              <a:buFont typeface="Arial" panose="020B0604020202020204" pitchFamily="34" charset="0"/>
+              <a:buChar char="•"/>
+            </a:pPr>
+            <a:r>
+              <a:rPr lang="fr-CH" dirty="0" err="1" smtClean="0"/>
+              <a:t>Credits</a:t>
+            </a:r>
+            <a:r>
+              <a:rPr lang="fr-CH" dirty="0" smtClean="0"/>
+              <a:t> </a:t>
+            </a:r>
+            <a:r>
+              <a:rPr lang="fr-CH" dirty="0" err="1" smtClean="0"/>
+              <a:t>based</a:t>
+            </a:r>
+            <a:r>
+              <a:rPr lang="fr-CH" dirty="0" smtClean="0"/>
+              <a:t> flow control ! </a:t>
+            </a:r>
+          </a:p>
+          <a:p>
+            <a:pPr marL="285750" indent="-285750">
+              <a:buFont typeface="Arial" panose="020B0604020202020204" pitchFamily="34" charset="0"/>
+              <a:buChar char="•"/>
+            </a:pPr>
+            <a:r>
+              <a:rPr lang="fr-CH" dirty="0" smtClean="0"/>
+              <a:t>Implémentation  Google ADK ! (ARMv7 </a:t>
+            </a:r>
+            <a:r>
+              <a:rPr lang="fr-CH" dirty="0" err="1" smtClean="0"/>
+              <a:t>arch</a:t>
+            </a:r>
+            <a:r>
+              <a:rPr lang="fr-CH" dirty="0" smtClean="0"/>
+              <a:t>)</a:t>
+            </a:r>
+            <a:endParaRPr lang="fr-CH" dirty="0"/>
+          </a:p>
+        </p:txBody>
+      </p:sp>
+      <p:pic>
+        <p:nvPicPr>
+          <p:cNvPr id="3074" name="Picture 2" descr="http://www.frameip.com/bluetooth/figure8.jpg"/>
+          <p:cNvPicPr>
+            <a:picLocks noChangeAspect="1" noChangeArrowheads="1"/>
+          </p:cNvPicPr>
+          <p:nvPr/>
+        </p:nvPicPr>
+        <p:blipFill rotWithShape="1">
+          <a:blip r:embed="rId3">
+            <a:extLst>
+              <a:ext uri="{28A0092B-C50C-407E-A947-70E740481C1C}">
+                <a14:useLocalDpi xmlns:a14="http://schemas.microsoft.com/office/drawing/2010/main" val="0"/>
+              </a:ext>
+            </a:extLst>
+          </a:blip>
+          <a:srcRect t="46272"/>
+          <a:stretch/>
+        </p:blipFill>
+        <p:spPr bwMode="auto">
+          <a:xfrm>
+            <a:off x="1601066" y="2573321"/>
+            <a:ext cx="5610225" cy="1673456"/>
+          </a:xfrm>
+          <a:prstGeom prst="rect">
+            <a:avLst/>
+          </a:prstGeom>
+          <a:noFill/>
+          <a:extLst>
+            <a:ext uri="{909E8E84-426E-40DD-AFC4-6F175D3DCCD1}">
+              <a14:hiddenFill xmlns:a14="http://schemas.microsoft.com/office/drawing/2010/main">
+                <a:solidFill>
+                  <a:srgbClr val="FFFFFF"/>
+                </a:solidFill>
+              </a14:hiddenFill>
+            </a:ext>
+          </a:extLst>
+        </p:spPr>
+      </p:pic>
     </p:spTree>
     <p:extLst>
       <p:ext uri="{BB962C8B-B14F-4D97-AF65-F5344CB8AC3E}">
@@ -8871,6 +9592,13 @@
   <p:clrMapOvr>
     <a:masterClrMapping/>
   </p:clrMapOvr>
+  <p:timing>
+    <p:tnLst>
+      <p:par>
+        <p:cTn id="1" dur="indefinite" restart="never" nodeType="tmRoot"/>
+      </p:par>
+    </p:tnLst>
+  </p:timing>
 </p:sld>
 </file>
 
@@ -8950,7 +9678,7 @@
           <a:p>
             <a:fld id="{8921CAEA-5DF8-4184-8579-722B016BA5B3}" type="datetime1">
               <a:rPr lang="fr-CH" smtClean="0"/>
-              <a:t>07.01.2014</a:t>
+              <a:t>14.01.2014</a:t>
             </a:fld>
             <a:endParaRPr lang="en-US" dirty="0"/>
           </a:p>
@@ -9100,7 +9828,7 @@
           <a:p>
             <a:fld id="{81216877-43B9-4594-9E35-CB10C32F44E1}" type="datetime1">
               <a:rPr lang="fr-CH" smtClean="0"/>
-              <a:t>07.01.2014</a:t>
+              <a:t>14.01.2014</a:t>
             </a:fld>
             <a:endParaRPr lang="en-US" dirty="0"/>
           </a:p>
@@ -9231,7 +9959,6 @@
               <a:rPr lang="fr-CH" dirty="0" smtClean="0"/>
               <a:t>Architecture logicielle</a:t>
             </a:r>
-            <a:endParaRPr lang="fr-CH" dirty="0" smtClean="0"/>
           </a:p>
           <a:p>
             <a:r>
@@ -9265,7 +9992,7 @@
           <a:p>
             <a:fld id="{CDC80C61-9D62-4947-B197-758B4125D101}" type="datetime1">
               <a:rPr lang="fr-CH" smtClean="0"/>
-              <a:t>07.01.2014</a:t>
+              <a:t>14.01.2014</a:t>
             </a:fld>
             <a:endParaRPr lang="en-US" dirty="0"/>
           </a:p>
@@ -9414,7 +10141,7 @@
           <a:p>
             <a:fld id="{8921CAEA-5DF8-4184-8579-722B016BA5B3}" type="datetime1">
               <a:rPr lang="fr-CH" smtClean="0"/>
-              <a:t>07.01.2014</a:t>
+              <a:t>14.01.2014</a:t>
             </a:fld>
             <a:endParaRPr lang="en-US" dirty="0"/>
           </a:p>
@@ -9572,7 +10299,7 @@
           <a:p>
             <a:fld id="{37FB751D-0FC8-4C1C-95A9-8D98738875A3}" type="datetime1">
               <a:rPr lang="fr-CH" smtClean="0"/>
-              <a:t>07.01.2014</a:t>
+              <a:t>14.01.2014</a:t>
             </a:fld>
             <a:endParaRPr lang="en-US" dirty="0"/>
           </a:p>
@@ -9687,66 +10414,6 @@
       </p:sp>
       <p:sp>
         <p:nvSpPr>
-          <p:cNvPr id="3" name="Espace réservé du contenu 2"/>
-          <p:cNvSpPr>
-            <a:spLocks noGrp="1"/>
-          </p:cNvSpPr>
-          <p:nvPr>
-            <p:ph sz="half" idx="1"/>
-          </p:nvPr>
-        </p:nvSpPr>
-        <p:spPr/>
-        <p:txBody>
-          <a:bodyPr/>
-          <a:lstStyle/>
-          <a:p>
-            <a:r>
-              <a:rPr lang="fr-CH" dirty="0" smtClean="0"/>
-              <a:t>«image PIC»</a:t>
-            </a:r>
-          </a:p>
-          <a:p>
-            <a:r>
-              <a:rPr lang="fr-CH" dirty="0" smtClean="0"/>
-              <a:t>+ flèches indiquant le transit des données</a:t>
-            </a:r>
-            <a:endParaRPr lang="fr-CH" dirty="0"/>
-          </a:p>
-        </p:txBody>
-      </p:sp>
-      <p:sp>
-        <p:nvSpPr>
-          <p:cNvPr id="4" name="Espace réservé du contenu 3"/>
-          <p:cNvSpPr>
-            <a:spLocks noGrp="1"/>
-          </p:cNvSpPr>
-          <p:nvPr>
-            <p:ph sz="half" idx="2"/>
-          </p:nvPr>
-        </p:nvSpPr>
-        <p:spPr/>
-        <p:txBody>
-          <a:bodyPr/>
-          <a:lstStyle/>
-          <a:p>
-            <a:r>
-              <a:rPr lang="fr-CH" dirty="0" smtClean="0"/>
-              <a:t>«image </a:t>
-            </a:r>
-            <a:r>
-              <a:rPr lang="fr-CH" dirty="0" err="1" smtClean="0"/>
-              <a:t>android</a:t>
-            </a:r>
-            <a:r>
-              <a:rPr lang="fr-CH" dirty="0" smtClean="0"/>
-              <a:t>»</a:t>
-            </a:r>
-            <a:endParaRPr lang="fr-CH" dirty="0"/>
-          </a:p>
-        </p:txBody>
-      </p:sp>
-      <p:sp>
-        <p:nvSpPr>
           <p:cNvPr id="5" name="Espace réservé de la date 4"/>
           <p:cNvSpPr>
             <a:spLocks noGrp="1"/>
@@ -9762,7 +10429,7 @@
           <a:p>
             <a:fld id="{A765A8E5-B07D-4AA9-BB96-BEFA278EA489}" type="datetime1">
               <a:rPr lang="fr-CH" smtClean="0"/>
-              <a:t>07.01.2014</a:t>
+              <a:t>14.01.2014</a:t>
             </a:fld>
             <a:endParaRPr lang="en-US" dirty="0"/>
           </a:p>
@@ -9815,6 +10482,148 @@
           </a:p>
         </p:txBody>
       </p:sp>
+      <p:pic>
+        <p:nvPicPr>
+          <p:cNvPr id="4098" name="Picture 2" descr="http://akizukidenshi.com/img/goods/2/M-05416.JPG"/>
+          <p:cNvPicPr>
+            <a:picLocks noChangeAspect="1" noChangeArrowheads="1"/>
+          </p:cNvPicPr>
+          <p:nvPr/>
+        </p:nvPicPr>
+        <p:blipFill>
+          <a:blip r:embed="rId3">
+            <a:extLst>
+              <a:ext uri="{28A0092B-C50C-407E-A947-70E740481C1C}">
+                <a14:useLocalDpi xmlns:a14="http://schemas.microsoft.com/office/drawing/2010/main" val="0"/>
+              </a:ext>
+            </a:extLst>
+          </a:blip>
+          <a:srcRect/>
+          <a:stretch>
+            <a:fillRect/>
+          </a:stretch>
+        </p:blipFill>
+        <p:spPr bwMode="auto">
+          <a:xfrm>
+            <a:off x="2330739" y="2824884"/>
+            <a:ext cx="3048000" cy="2286000"/>
+          </a:xfrm>
+          <a:prstGeom prst="rect">
+            <a:avLst/>
+          </a:prstGeom>
+          <a:noFill/>
+          <a:extLst>
+            <a:ext uri="{909E8E84-426E-40DD-AFC4-6F175D3DCCD1}">
+              <a14:hiddenFill xmlns:a14="http://schemas.microsoft.com/office/drawing/2010/main">
+                <a:solidFill>
+                  <a:srgbClr val="FFFFFF"/>
+                </a:solidFill>
+              </a14:hiddenFill>
+            </a:ext>
+          </a:extLst>
+        </p:spPr>
+      </p:pic>
+      <p:pic>
+        <p:nvPicPr>
+          <p:cNvPr id="4100" name="Picture 4" descr="http://www.tuxboard.com/photos/2013/04/archos-smartphone-telephone.jpg"/>
+          <p:cNvPicPr>
+            <a:picLocks noChangeAspect="1" noChangeArrowheads="1"/>
+          </p:cNvPicPr>
+          <p:nvPr/>
+        </p:nvPicPr>
+        <p:blipFill rotWithShape="1">
+          <a:blip r:embed="rId4">
+            <a:extLst>
+              <a:ext uri="{28A0092B-C50C-407E-A947-70E740481C1C}">
+                <a14:useLocalDpi xmlns:a14="http://schemas.microsoft.com/office/drawing/2010/main" val="0"/>
+              </a:ext>
+            </a:extLst>
+          </a:blip>
+          <a:srcRect l="33150" t="11984" r="29951" b="12121"/>
+          <a:stretch/>
+        </p:blipFill>
+        <p:spPr bwMode="auto">
+          <a:xfrm>
+            <a:off x="7881258" y="2193512"/>
+            <a:ext cx="1797218" cy="3548743"/>
+          </a:xfrm>
+          <a:prstGeom prst="rect">
+            <a:avLst/>
+          </a:prstGeom>
+          <a:noFill/>
+          <a:extLst>
+            <a:ext uri="{909E8E84-426E-40DD-AFC4-6F175D3DCCD1}">
+              <a14:hiddenFill xmlns:a14="http://schemas.microsoft.com/office/drawing/2010/main">
+                <a:solidFill>
+                  <a:srgbClr val="FFFFFF"/>
+                </a:solidFill>
+              </a14:hiddenFill>
+            </a:ext>
+          </a:extLst>
+        </p:spPr>
+      </p:pic>
+      <p:pic>
+        <p:nvPicPr>
+          <p:cNvPr id="12" name="Picture 4"/>
+          <p:cNvPicPr>
+            <a:picLocks noChangeAspect="1" noChangeArrowheads="1"/>
+          </p:cNvPicPr>
+          <p:nvPr/>
+        </p:nvPicPr>
+        <p:blipFill rotWithShape="1">
+          <a:blip r:embed="rId5">
+            <a:extLst>
+              <a:ext uri="{28A0092B-C50C-407E-A947-70E740481C1C}">
+                <a14:useLocalDpi xmlns:a14="http://schemas.microsoft.com/office/drawing/2010/main" val="0"/>
+              </a:ext>
+            </a:extLst>
+          </a:blip>
+          <a:srcRect b="8043"/>
+          <a:stretch/>
+        </p:blipFill>
+        <p:spPr bwMode="auto">
+          <a:xfrm>
+            <a:off x="8002992" y="2547937"/>
+            <a:ext cx="1567757" cy="2728913"/>
+          </a:xfrm>
+          <a:prstGeom prst="rect">
+            <a:avLst/>
+          </a:prstGeom>
+          <a:noFill/>
+          <a:ln>
+            <a:noFill/>
+          </a:ln>
+          <a:effectLst/>
+          <a:extLst>
+            <a:ext uri="{909E8E84-426E-40DD-AFC4-6F175D3DCCD1}">
+              <a14:hiddenFill xmlns:a14="http://schemas.microsoft.com/office/drawing/2010/main">
+                <a:solidFill>
+                  <a:schemeClr val="accent1"/>
+                </a:solidFill>
+              </a14:hiddenFill>
+            </a:ext>
+            <a:ext uri="{91240B29-F687-4F45-9708-019B960494DF}">
+              <a14:hiddenLine xmlns:a14="http://schemas.microsoft.com/office/drawing/2010/main" w="9525">
+                <a:solidFill>
+                  <a:schemeClr val="tx1"/>
+                </a:solidFill>
+                <a:miter lim="800000"/>
+                <a:headEnd/>
+                <a:tailEnd/>
+              </a14:hiddenLine>
+            </a:ext>
+            <a:ext uri="{AF507438-7753-43E0-B8FC-AC1667EBCBE1}">
+              <a14:hiddenEffects xmlns:a14="http://schemas.microsoft.com/office/drawing/2010/main">
+                <a:effectLst>
+                  <a:outerShdw dist="35921" dir="2700000" algn="ctr" rotWithShape="0">
+                    <a:schemeClr val="bg2"/>
+                  </a:outerShdw>
+                </a:effectLst>
+              </a14:hiddenEffects>
+            </a:ext>
+          </a:extLst>
+        </p:spPr>
+      </p:pic>
     </p:spTree>
     <p:extLst>
       <p:ext uri="{BB962C8B-B14F-4D97-AF65-F5344CB8AC3E}">
@@ -9825,6 +10634,13 @@
   <p:clrMapOvr>
     <a:masterClrMapping/>
   </p:clrMapOvr>
+  <p:timing>
+    <p:tnLst>
+      <p:par>
+        <p:cTn id="1" dur="indefinite" restart="never" nodeType="tmRoot"/>
+      </p:par>
+    </p:tnLst>
+  </p:timing>
 </p:sld>
 </file>
 
@@ -9926,7 +10742,7 @@
           <a:p>
             <a:fld id="{682AD09F-3180-436E-816E-79AE2F329F10}" type="datetime1">
               <a:rPr lang="fr-CH" smtClean="0"/>
-              <a:t>07.01.2014</a:t>
+              <a:t>14.01.2014</a:t>
             </a:fld>
             <a:endParaRPr lang="en-US" dirty="0"/>
           </a:p>
@@ -9989,6 +10805,13 @@
   <p:clrMapOvr>
     <a:masterClrMapping/>
   </p:clrMapOvr>
+  <p:timing>
+    <p:tnLst>
+      <p:par>
+        <p:cTn id="1" dur="indefinite" restart="never" nodeType="tmRoot"/>
+      </p:par>
+    </p:tnLst>
+  </p:timing>
 </p:sld>
 </file>
 
@@ -10068,7 +10891,7 @@
           <a:p>
             <a:fld id="{8921CAEA-5DF8-4184-8579-722B016BA5B3}" type="datetime1">
               <a:rPr lang="fr-CH" smtClean="0"/>
-              <a:t>07.01.2014</a:t>
+              <a:t>14.01.2014</a:t>
             </a:fld>
             <a:endParaRPr lang="en-US" dirty="0"/>
           </a:p>
@@ -10226,7 +11049,7 @@
           <a:p>
             <a:fld id="{682AD09F-3180-436E-816E-79AE2F329F10}" type="datetime1">
               <a:rPr lang="fr-CH" smtClean="0"/>
-              <a:t>07.01.2014</a:t>
+              <a:t>14.01.2014</a:t>
             </a:fld>
             <a:endParaRPr lang="en-US" dirty="0"/>
           </a:p>
@@ -10394,7 +11217,7 @@
           <a:p>
             <a:fld id="{30B2F984-B698-4924-AE20-D5DA2C47FF2F}" type="datetime1">
               <a:rPr lang="fr-CH" smtClean="0"/>
-              <a:t>07.01.2014</a:t>
+              <a:t>14.01.2014</a:t>
             </a:fld>
             <a:endParaRPr lang="en-US" dirty="0"/>
           </a:p>
@@ -10457,6 +11280,13 @@
   <p:clrMapOvr>
     <a:masterClrMapping/>
   </p:clrMapOvr>
+  <p:timing>
+    <p:tnLst>
+      <p:par>
+        <p:cTn id="1" dur="indefinite" restart="never" nodeType="tmRoot"/>
+      </p:par>
+    </p:tnLst>
+  </p:timing>
 </p:sld>
 </file>
 
@@ -10710,7 +11540,7 @@
   <a:extraClrSchemeLst/>
   <a:extLst>
     <a:ext uri="{05A4C25C-085E-4340-85A3-A5531E510DB2}">
-      <thm15:themeFamily xmlns:thm15="http://schemas.microsoft.com/office/thememl/2012/main" name="Parallax" id="{3388167B-A2EB-4685-9635-1831D9AEF8C4}" vid="{4F7A876A-7598-49CA-AFC8-8EDA2551E4A7}"/>
+      <thm15:themeFamily xmlns:thm15="http://schemas.microsoft.com/office/thememl/2012/main" xmlns="" name="Parallax" id="{3388167B-A2EB-4685-9635-1831D9AEF8C4}" vid="{4F7A876A-7598-49CA-AFC8-8EDA2551E4A7}"/>
     </a:ext>
   </a:extLst>
 </a:theme>
@@ -10971,7 +11801,7 @@
   <a:extraClrSchemeLst/>
   <a:extLst>
     <a:ext uri="{05A4C25C-085E-4340-85A3-A5531E510DB2}">
-      <thm15:themeFamily xmlns:thm15="http://schemas.microsoft.com/office/thememl/2012/main" name="Office Theme" id="{62F939B6-93AF-4DB8-9C6B-D6C7DFDC589F}" vid="{4A3C46E8-61CC-4603-A589-7422A47A8E4A}"/>
+      <thm15:themeFamily xmlns:thm15="http://schemas.microsoft.com/office/thememl/2012/main" xmlns="" name="Office Theme" id="{62F939B6-93AF-4DB8-9C6B-D6C7DFDC589F}" vid="{4A3C46E8-61CC-4603-A589-7422A47A8E4A}"/>
     </a:ext>
   </a:extLst>
 </a:theme>

--- a/Bluetooth sur Android.pptx
+++ b/Bluetooth sur Android.pptx
@@ -126,7 +126,7 @@
   </p:defaultTextStyle>
   <p:extLst>
     <p:ext uri="{EFAFB233-063F-42B5-8137-9DF3F51BA10A}">
-      <p15:sldGuideLst xmlns:p15="http://schemas.microsoft.com/office/powerpoint/2012/main" xmlns=""/>
+      <p15:sldGuideLst xmlns="" xmlns:p15="http://schemas.microsoft.com/office/powerpoint/2012/main"/>
     </p:ext>
   </p:extLst>
 </p:presentation>
@@ -214,7 +214,7 @@
           <a:p>
             <a:fld id="{CE289607-0A54-408C-A42F-BCBE04BD5BC2}" type="datetimeFigureOut">
               <a:rPr lang="fr-CH" smtClean="0"/>
-              <a:t>14.01.2014</a:t>
+              <a:t>20.01.2014</a:t>
             </a:fld>
             <a:endParaRPr lang="fr-CH"/>
           </a:p>
@@ -2100,7 +2100,7 @@
           <a:p>
             <a:fld id="{EF322ED6-D996-46B6-8671-9C1BD3EF61D0}" type="datetime1">
               <a:rPr lang="fr-CH" smtClean="0"/>
-              <a:t>14.01.2014</a:t>
+              <a:t>20.01.2014</a:t>
             </a:fld>
             <a:endParaRPr lang="en-US" dirty="0"/>
           </a:p>
@@ -2396,7 +2396,7 @@
           <a:p>
             <a:fld id="{81216877-43B9-4594-9E35-CB10C32F44E1}" type="datetime1">
               <a:rPr lang="fr-CH" smtClean="0"/>
-              <a:t>14.01.2014</a:t>
+              <a:t>20.01.2014</a:t>
             </a:fld>
             <a:endParaRPr lang="en-US" dirty="0"/>
           </a:p>
@@ -2644,7 +2644,7 @@
           <a:p>
             <a:fld id="{02DB53A1-36A0-443A-A1F6-237BF4F36FAF}" type="datetime1">
               <a:rPr lang="fr-CH" smtClean="0"/>
-              <a:t>14.01.2014</a:t>
+              <a:t>20.01.2014</a:t>
             </a:fld>
             <a:endParaRPr lang="en-US" dirty="0"/>
           </a:p>
@@ -3184,7 +3184,7 @@
           <a:p>
             <a:fld id="{F9FD1EF0-91D3-4688-A11D-16ECCB554544}" type="datetime1">
               <a:rPr lang="fr-CH" smtClean="0"/>
-              <a:t>14.01.2014</a:t>
+              <a:t>20.01.2014</a:t>
             </a:fld>
             <a:endParaRPr lang="en-US" dirty="0"/>
           </a:p>
@@ -3432,7 +3432,7 @@
           <a:p>
             <a:fld id="{1CCE17D6-1995-4269-ABC1-A99B13FC3A10}" type="datetime1">
               <a:rPr lang="fr-CH" smtClean="0"/>
-              <a:t>14.01.2014</a:t>
+              <a:t>20.01.2014</a:t>
             </a:fld>
             <a:endParaRPr lang="en-US" dirty="0"/>
           </a:p>
@@ -3964,7 +3964,7 @@
           <a:p>
             <a:fld id="{61A1747E-89CE-4C9C-A550-73867AEE447D}" type="datetime1">
               <a:rPr lang="fr-CH" smtClean="0"/>
-              <a:t>14.01.2014</a:t>
+              <a:t>20.01.2014</a:t>
             </a:fld>
             <a:endParaRPr lang="en-US" dirty="0"/>
           </a:p>
@@ -4261,7 +4261,7 @@
           <a:p>
             <a:fld id="{BF5A5DCD-5FEB-4197-879B-CF46CF83DEF2}" type="datetime1">
               <a:rPr lang="fr-CH" smtClean="0"/>
-              <a:t>14.01.2014</a:t>
+              <a:t>20.01.2014</a:t>
             </a:fld>
             <a:endParaRPr lang="en-US" dirty="0"/>
           </a:p>
@@ -4435,7 +4435,7 @@
           <a:p>
             <a:fld id="{09855FBF-16E6-407A-88C7-FCF48B8525BB}" type="datetime1">
               <a:rPr lang="fr-CH" smtClean="0"/>
-              <a:t>14.01.2014</a:t>
+              <a:t>20.01.2014</a:t>
             </a:fld>
             <a:endParaRPr lang="en-US" dirty="0"/>
           </a:p>
@@ -4615,7 +4615,7 @@
           <a:p>
             <a:fld id="{A61D9C73-689D-4C6C-8F20-D7F3B1EA77C9}" type="datetime1">
               <a:rPr lang="fr-CH" smtClean="0"/>
-              <a:t>14.01.2014</a:t>
+              <a:t>20.01.2014</a:t>
             </a:fld>
             <a:endParaRPr lang="en-US" dirty="0"/>
           </a:p>
@@ -4785,7 +4785,7 @@
           <a:p>
             <a:fld id="{682AD09F-3180-436E-816E-79AE2F329F10}" type="datetime1">
               <a:rPr lang="fr-CH" smtClean="0"/>
-              <a:t>14.01.2014</a:t>
+              <a:t>20.01.2014</a:t>
             </a:fld>
             <a:endParaRPr lang="en-US" dirty="0"/>
           </a:p>
@@ -5036,7 +5036,7 @@
           <a:p>
             <a:fld id="{8921CAEA-5DF8-4184-8579-722B016BA5B3}" type="datetime1">
               <a:rPr lang="fr-CH" smtClean="0"/>
-              <a:t>14.01.2014</a:t>
+              <a:t>20.01.2014</a:t>
             </a:fld>
             <a:endParaRPr lang="en-US" dirty="0"/>
           </a:p>
@@ -5333,7 +5333,7 @@
           <a:p>
             <a:fld id="{31E5F645-E207-4A07-9BF6-DEE2B12497E1}" type="datetime1">
               <a:rPr lang="fr-CH" smtClean="0"/>
-              <a:t>14.01.2014</a:t>
+              <a:t>20.01.2014</a:t>
             </a:fld>
             <a:endParaRPr lang="en-US" dirty="0"/>
           </a:p>
@@ -5775,7 +5775,7 @@
           <a:p>
             <a:fld id="{327BAF23-CF1D-4B87-9DE6-CEA838016C63}" type="datetime1">
               <a:rPr lang="fr-CH" smtClean="0"/>
-              <a:t>14.01.2014</a:t>
+              <a:t>20.01.2014</a:t>
             </a:fld>
             <a:endParaRPr lang="en-US" dirty="0"/>
           </a:p>
@@ -5893,7 +5893,7 @@
           <a:p>
             <a:fld id="{05097574-F054-46A1-8CEE-61B313CA8A4F}" type="datetime1">
               <a:rPr lang="fr-CH" smtClean="0"/>
-              <a:t>14.01.2014</a:t>
+              <a:t>20.01.2014</a:t>
             </a:fld>
             <a:endParaRPr lang="en-US" dirty="0"/>
           </a:p>
@@ -5988,7 +5988,7 @@
           <a:p>
             <a:fld id="{DF67AD39-77B6-4C9F-8465-A256F9433F94}" type="datetime1">
               <a:rPr lang="fr-CH" smtClean="0"/>
-              <a:t>14.01.2014</a:t>
+              <a:t>20.01.2014</a:t>
             </a:fld>
             <a:endParaRPr lang="en-US" dirty="0"/>
           </a:p>
@@ -6271,7 +6271,7 @@
           <a:p>
             <a:fld id="{30B2F984-B698-4924-AE20-D5DA2C47FF2F}" type="datetime1">
               <a:rPr lang="fr-CH" smtClean="0"/>
-              <a:t>14.01.2014</a:t>
+              <a:t>20.01.2014</a:t>
             </a:fld>
             <a:endParaRPr lang="en-US" dirty="0"/>
           </a:p>
@@ -6562,7 +6562,7 @@
           <a:p>
             <a:fld id="{9188D330-D561-4067-97B5-29C2D033D9F0}" type="datetime1">
               <a:rPr lang="fr-CH" smtClean="0"/>
-              <a:t>14.01.2014</a:t>
+              <a:t>20.01.2014</a:t>
             </a:fld>
             <a:endParaRPr lang="en-US" dirty="0"/>
           </a:p>
@@ -7092,7 +7092,7 @@
           <a:p>
             <a:fld id="{4DA9AAA7-BB5C-4E7B-9942-35D321C854D7}" type="datetime1">
               <a:rPr lang="fr-CH" smtClean="0"/>
-              <a:t>14.01.2014</a:t>
+              <a:t>20.01.2014</a:t>
             </a:fld>
             <a:endParaRPr lang="en-US" dirty="0"/>
           </a:p>
@@ -7688,11 +7688,7 @@
           <a:p>
             <a:r>
               <a:rPr lang="fr-CH" i="1" dirty="0" smtClean="0"/>
-              <a:t> par MUELLER Michael et SAVY </a:t>
-            </a:r>
-            <a:r>
-              <a:rPr lang="fr-CH" i="1" dirty="0" smtClean="0"/>
-              <a:t>Cyrille</a:t>
+              <a:t> par MUELLER Michael et SAVY Cyrille</a:t>
             </a:r>
           </a:p>
           <a:p>
@@ -7710,7 +7706,6 @@
               <a:rPr lang="fr-CH" i="1" dirty="0" smtClean="0"/>
               <a:t>Nuria, Rizzotti Aïcha</a:t>
             </a:r>
-            <a:endParaRPr lang="fr-CH" i="1" dirty="0" smtClean="0"/>
           </a:p>
           <a:p>
             <a:r>
@@ -7803,7 +7798,7 @@
           <a:p>
             <a:fld id="{31E5F645-E207-4A07-9BF6-DEE2B12497E1}" type="datetime1">
               <a:rPr lang="fr-CH" smtClean="0"/>
-              <a:t>14.01.2014</a:t>
+              <a:t>20.01.2014</a:t>
             </a:fld>
             <a:endParaRPr lang="en-US" dirty="0"/>
           </a:p>
@@ -8352,7 +8347,7 @@
           <a:p>
             <a:fld id="{682AD09F-3180-436E-816E-79AE2F329F10}" type="datetime1">
               <a:rPr lang="fr-CH" smtClean="0"/>
-              <a:t>14.01.2014</a:t>
+              <a:t>20.01.2014</a:t>
             </a:fld>
             <a:endParaRPr lang="en-US" dirty="0"/>
           </a:p>
@@ -8523,7 +8518,7 @@
           <a:p>
             <a:fld id="{30B2F984-B698-4924-AE20-D5DA2C47FF2F}" type="datetime1">
               <a:rPr lang="fr-CH" smtClean="0"/>
-              <a:t>14.01.2014</a:t>
+              <a:t>20.01.2014</a:t>
             </a:fld>
             <a:endParaRPr lang="en-US" dirty="0"/>
           </a:p>
@@ -8677,8 +8672,8 @@
         </p:nvSpPr>
         <p:spPr>
           <a:xfrm>
-            <a:off x="8485651" y="1132764"/>
-            <a:ext cx="1282889" cy="713656"/>
+            <a:off x="8477714" y="1132764"/>
+            <a:ext cx="1275887" cy="713656"/>
           </a:xfrm>
           <a:prstGeom prst="rect">
             <a:avLst/>
@@ -8817,7 +8812,7 @@
           <a:p>
             <a:fld id="{30B2F984-B698-4924-AE20-D5DA2C47FF2F}" type="datetime1">
               <a:rPr lang="fr-CH" smtClean="0"/>
-              <a:t>14.01.2014</a:t>
+              <a:t>20.01.2014</a:t>
             </a:fld>
             <a:endParaRPr lang="en-US" dirty="0"/>
           </a:p>
@@ -8872,7 +8867,7 @@
       </p:sp>
       <p:pic>
         <p:nvPicPr>
-          <p:cNvPr id="2050" name="Picture 2"/>
+          <p:cNvPr id="1026" name="Picture 2"/>
           <p:cNvPicPr>
             <a:picLocks noChangeAspect="1" noChangeArrowheads="1"/>
           </p:cNvPicPr>
@@ -8893,8 +8888,8 @@
         </p:blipFill>
         <p:spPr bwMode="auto">
           <a:xfrm>
-            <a:off x="6641090" y="423016"/>
-            <a:ext cx="3458874" cy="5288020"/>
+            <a:off x="5834063" y="244247"/>
+            <a:ext cx="3756257" cy="5742668"/>
           </a:xfrm>
           <a:prstGeom prst="rect">
             <a:avLst/>
@@ -8990,25 +8985,6 @@
       </p:sp>
       <p:sp>
         <p:nvSpPr>
-          <p:cNvPr id="3" name="Espace réservé du texte 2"/>
-          <p:cNvSpPr>
-            <a:spLocks noGrp="1"/>
-          </p:cNvSpPr>
-          <p:nvPr>
-            <p:ph type="body" idx="1"/>
-          </p:nvPr>
-        </p:nvSpPr>
-        <p:spPr/>
-        <p:txBody>
-          <a:bodyPr/>
-          <a:lstStyle/>
-          <a:p>
-            <a:endParaRPr lang="fr-CH"/>
-          </a:p>
-        </p:txBody>
-      </p:sp>
-      <p:sp>
-        <p:nvSpPr>
           <p:cNvPr id="4" name="Espace réservé de la date 3"/>
           <p:cNvSpPr>
             <a:spLocks noGrp="1"/>
@@ -9024,7 +9000,7 @@
           <a:p>
             <a:fld id="{8921CAEA-5DF8-4184-8579-722B016BA5B3}" type="datetime1">
               <a:rPr lang="fr-CH" smtClean="0"/>
-              <a:t>14.01.2014</a:t>
+              <a:t>20.01.2014</a:t>
             </a:fld>
             <a:endParaRPr lang="en-US" dirty="0"/>
           </a:p>
@@ -9286,7 +9262,7 @@
           <a:p>
             <a:fld id="{31E5F645-E207-4A07-9BF6-DEE2B12497E1}" type="datetime1">
               <a:rPr lang="fr-CH" smtClean="0"/>
-              <a:t>14.01.2014</a:t>
+              <a:t>20.01.2014</a:t>
             </a:fld>
             <a:endParaRPr lang="en-US" dirty="0"/>
           </a:p>
@@ -9416,7 +9392,7 @@
           <a:p>
             <a:fld id="{31E5F645-E207-4A07-9BF6-DEE2B12497E1}" type="datetime1">
               <a:rPr lang="fr-CH" smtClean="0"/>
-              <a:t>14.01.2014</a:t>
+              <a:t>20.01.2014</a:t>
             </a:fld>
             <a:endParaRPr lang="en-US" dirty="0"/>
           </a:p>
@@ -9678,7 +9654,7 @@
           <a:p>
             <a:fld id="{8921CAEA-5DF8-4184-8579-722B016BA5B3}" type="datetime1">
               <a:rPr lang="fr-CH" smtClean="0"/>
-              <a:t>14.01.2014</a:t>
+              <a:t>20.01.2014</a:t>
             </a:fld>
             <a:endParaRPr lang="en-US" dirty="0"/>
           </a:p>
@@ -9828,7 +9804,7 @@
           <a:p>
             <a:fld id="{81216877-43B9-4594-9E35-CB10C32F44E1}" type="datetime1">
               <a:rPr lang="fr-CH" smtClean="0"/>
-              <a:t>14.01.2014</a:t>
+              <a:t>20.01.2014</a:t>
             </a:fld>
             <a:endParaRPr lang="en-US" dirty="0"/>
           </a:p>
@@ -9992,7 +9968,7 @@
           <a:p>
             <a:fld id="{CDC80C61-9D62-4947-B197-758B4125D101}" type="datetime1">
               <a:rPr lang="fr-CH" smtClean="0"/>
-              <a:t>14.01.2014</a:t>
+              <a:t>20.01.2014</a:t>
             </a:fld>
             <a:endParaRPr lang="en-US" dirty="0"/>
           </a:p>
@@ -10141,7 +10117,7 @@
           <a:p>
             <a:fld id="{8921CAEA-5DF8-4184-8579-722B016BA5B3}" type="datetime1">
               <a:rPr lang="fr-CH" smtClean="0"/>
-              <a:t>14.01.2014</a:t>
+              <a:t>20.01.2014</a:t>
             </a:fld>
             <a:endParaRPr lang="en-US" dirty="0"/>
           </a:p>
@@ -10299,7 +10275,7 @@
           <a:p>
             <a:fld id="{37FB751D-0FC8-4C1C-95A9-8D98738875A3}" type="datetime1">
               <a:rPr lang="fr-CH" smtClean="0"/>
-              <a:t>14.01.2014</a:t>
+              <a:t>20.01.2014</a:t>
             </a:fld>
             <a:endParaRPr lang="en-US" dirty="0"/>
           </a:p>
@@ -10429,7 +10405,7 @@
           <a:p>
             <a:fld id="{A765A8E5-B07D-4AA9-BB96-BEFA278EA489}" type="datetime1">
               <a:rPr lang="fr-CH" smtClean="0"/>
-              <a:t>14.01.2014</a:t>
+              <a:t>20.01.2014</a:t>
             </a:fld>
             <a:endParaRPr lang="en-US" dirty="0"/>
           </a:p>
@@ -10583,8 +10559,8 @@
         </p:blipFill>
         <p:spPr bwMode="auto">
           <a:xfrm>
-            <a:off x="8002992" y="2547937"/>
-            <a:ext cx="1567757" cy="2728913"/>
+            <a:off x="8002993" y="2547937"/>
+            <a:ext cx="1551340" cy="2717007"/>
           </a:xfrm>
           <a:prstGeom prst="rect">
             <a:avLst/>
@@ -10624,6 +10600,144 @@
           </a:extLst>
         </p:spPr>
       </p:pic>
+      <p:cxnSp>
+        <p:nvCxnSpPr>
+          <p:cNvPr id="4" name="Connecteur droit avec flèche 3"/>
+          <p:cNvCxnSpPr/>
+          <p:nvPr/>
+        </p:nvCxnSpPr>
+        <p:spPr>
+          <a:xfrm>
+            <a:off x="5602514" y="3383926"/>
+            <a:ext cx="1828800" cy="0"/>
+          </a:xfrm>
+          <a:prstGeom prst="straightConnector1">
+            <a:avLst/>
+          </a:prstGeom>
+          <a:ln w="73025">
+            <a:solidFill>
+              <a:schemeClr val="tx1"/>
+            </a:solidFill>
+            <a:headEnd type="arrow"/>
+            <a:tailEnd type="none"/>
+          </a:ln>
+        </p:spPr>
+        <p:style>
+          <a:lnRef idx="1">
+            <a:schemeClr val="accent1"/>
+          </a:lnRef>
+          <a:fillRef idx="0">
+            <a:schemeClr val="accent1"/>
+          </a:fillRef>
+          <a:effectRef idx="0">
+            <a:schemeClr val="accent1"/>
+          </a:effectRef>
+          <a:fontRef idx="minor">
+            <a:schemeClr val="tx1"/>
+          </a:fontRef>
+        </p:style>
+      </p:cxnSp>
+      <p:cxnSp>
+        <p:nvCxnSpPr>
+          <p:cNvPr id="11" name="Connecteur droit avec flèche 10"/>
+          <p:cNvCxnSpPr/>
+          <p:nvPr/>
+        </p:nvCxnSpPr>
+        <p:spPr>
+          <a:xfrm flipH="1">
+            <a:off x="5746482" y="4378155"/>
+            <a:ext cx="1786432" cy="0"/>
+          </a:xfrm>
+          <a:prstGeom prst="straightConnector1">
+            <a:avLst/>
+          </a:prstGeom>
+          <a:ln w="73025">
+            <a:solidFill>
+              <a:schemeClr val="tx1"/>
+            </a:solidFill>
+            <a:headEnd type="arrow"/>
+            <a:tailEnd type="none"/>
+          </a:ln>
+        </p:spPr>
+        <p:style>
+          <a:lnRef idx="1">
+            <a:schemeClr val="accent1"/>
+          </a:lnRef>
+          <a:fillRef idx="0">
+            <a:schemeClr val="accent1"/>
+          </a:fillRef>
+          <a:effectRef idx="0">
+            <a:schemeClr val="accent1"/>
+          </a:effectRef>
+          <a:fontRef idx="minor">
+            <a:schemeClr val="tx1"/>
+          </a:fontRef>
+        </p:style>
+      </p:cxnSp>
+      <p:sp>
+        <p:nvSpPr>
+          <p:cNvPr id="13" name="ZoneTexte 12"/>
+          <p:cNvSpPr txBox="1"/>
+          <p:nvPr/>
+        </p:nvSpPr>
+        <p:spPr>
+          <a:xfrm>
+            <a:off x="5884367" y="2824884"/>
+            <a:ext cx="1510661" cy="369332"/>
+          </a:xfrm>
+          <a:prstGeom prst="rect">
+            <a:avLst/>
+          </a:prstGeom>
+          <a:noFill/>
+        </p:spPr>
+        <p:txBody>
+          <a:bodyPr wrap="square" rtlCol="0">
+            <a:spAutoFit/>
+          </a:bodyPr>
+          <a:lstStyle/>
+          <a:p>
+            <a:r>
+              <a:rPr lang="fr-CH" dirty="0" err="1" smtClean="0"/>
+              <a:t>LEDs</a:t>
+            </a:r>
+            <a:r>
+              <a:rPr lang="fr-CH" dirty="0" smtClean="0"/>
+              <a:t> + LCD</a:t>
+            </a:r>
+            <a:endParaRPr lang="fr-CH" dirty="0"/>
+          </a:p>
+        </p:txBody>
+      </p:sp>
+      <p:sp>
+        <p:nvSpPr>
+          <p:cNvPr id="16" name="ZoneTexte 15"/>
+          <p:cNvSpPr txBox="1"/>
+          <p:nvPr/>
+        </p:nvSpPr>
+        <p:spPr>
+          <a:xfrm>
+            <a:off x="5746482" y="3906440"/>
+            <a:ext cx="1510661" cy="369332"/>
+          </a:xfrm>
+          <a:prstGeom prst="rect">
+            <a:avLst/>
+          </a:prstGeom>
+          <a:noFill/>
+        </p:spPr>
+        <p:txBody>
+          <a:bodyPr wrap="square" rtlCol="0">
+            <a:spAutoFit/>
+          </a:bodyPr>
+          <a:lstStyle/>
+          <a:p>
+            <a:r>
+              <a:rPr lang="fr-CH" dirty="0" smtClean="0"/>
+              <a:t>Pot + Boutons</a:t>
+            </a:r>
+            <a:endParaRPr lang="fr-CH" dirty="0"/>
+          </a:p>
+        </p:txBody>
+      </p:sp>
     </p:spTree>
     <p:extLst>
       <p:ext uri="{BB962C8B-B14F-4D97-AF65-F5344CB8AC3E}">
@@ -10701,7 +10815,11 @@
           <a:p>
             <a:r>
               <a:rPr lang="fr-CH" dirty="0" smtClean="0"/>
-              <a:t>Paramétrage de machines</a:t>
+              <a:t>Paramétrage </a:t>
+            </a:r>
+            <a:r>
+              <a:rPr lang="fr-CH" dirty="0" smtClean="0"/>
+              <a:t>de machines</a:t>
             </a:r>
           </a:p>
           <a:p>
@@ -10713,15 +10831,19 @@
           <a:p>
             <a:r>
               <a:rPr lang="fr-CH" dirty="0" smtClean="0"/>
-              <a:t>Contrôle d’un robot</a:t>
-            </a:r>
-          </a:p>
-          <a:p>
+              <a:t>Contrôle d’un </a:t>
+            </a:r>
             <a:r>
               <a:rPr lang="fr-CH" dirty="0" smtClean="0"/>
-              <a:t>…</a:t>
-            </a:r>
-            <a:endParaRPr lang="fr-CH" dirty="0"/>
+              <a:t>robot</a:t>
+            </a:r>
+          </a:p>
+          <a:p>
+            <a:r>
+              <a:rPr lang="fr-CH" dirty="0" smtClean="0"/>
+              <a:t>Station météo</a:t>
+            </a:r>
+            <a:endParaRPr lang="fr-CH" dirty="0" smtClean="0"/>
           </a:p>
         </p:txBody>
       </p:sp>
@@ -10742,7 +10864,7 @@
           <a:p>
             <a:fld id="{682AD09F-3180-436E-816E-79AE2F329F10}" type="datetime1">
               <a:rPr lang="fr-CH" smtClean="0"/>
-              <a:t>14.01.2014</a:t>
+              <a:t>20.01.2014</a:t>
             </a:fld>
             <a:endParaRPr lang="en-US" dirty="0"/>
           </a:p>
@@ -10857,25 +10979,6 @@
       </p:sp>
       <p:sp>
         <p:nvSpPr>
-          <p:cNvPr id="3" name="Espace réservé du texte 2"/>
-          <p:cNvSpPr>
-            <a:spLocks noGrp="1"/>
-          </p:cNvSpPr>
-          <p:nvPr>
-            <p:ph type="body" idx="1"/>
-          </p:nvPr>
-        </p:nvSpPr>
-        <p:spPr/>
-        <p:txBody>
-          <a:bodyPr/>
-          <a:lstStyle/>
-          <a:p>
-            <a:endParaRPr lang="fr-CH"/>
-          </a:p>
-        </p:txBody>
-      </p:sp>
-      <p:sp>
-        <p:nvSpPr>
           <p:cNvPr id="4" name="Espace réservé de la date 3"/>
           <p:cNvSpPr>
             <a:spLocks noGrp="1"/>
@@ -10891,7 +10994,7 @@
           <a:p>
             <a:fld id="{8921CAEA-5DF8-4184-8579-722B016BA5B3}" type="datetime1">
               <a:rPr lang="fr-CH" smtClean="0"/>
-              <a:t>14.01.2014</a:t>
+              <a:t>20.01.2014</a:t>
             </a:fld>
             <a:endParaRPr lang="en-US" dirty="0"/>
           </a:p>
@@ -11049,7 +11152,7 @@
           <a:p>
             <a:fld id="{682AD09F-3180-436E-816E-79AE2F329F10}" type="datetime1">
               <a:rPr lang="fr-CH" smtClean="0"/>
-              <a:t>14.01.2014</a:t>
+              <a:t>20.01.2014</a:t>
             </a:fld>
             <a:endParaRPr lang="en-US" dirty="0"/>
           </a:p>
@@ -11217,7 +11320,7 @@
           <a:p>
             <a:fld id="{30B2F984-B698-4924-AE20-D5DA2C47FF2F}" type="datetime1">
               <a:rPr lang="fr-CH" smtClean="0"/>
-              <a:t>14.01.2014</a:t>
+              <a:t>20.01.2014</a:t>
             </a:fld>
             <a:endParaRPr lang="en-US" dirty="0"/>
           </a:p>
@@ -11540,7 +11643,7 @@
   <a:extraClrSchemeLst/>
   <a:extLst>
     <a:ext uri="{05A4C25C-085E-4340-85A3-A5531E510DB2}">
-      <thm15:themeFamily xmlns:thm15="http://schemas.microsoft.com/office/thememl/2012/main" xmlns="" name="Parallax" id="{3388167B-A2EB-4685-9635-1831D9AEF8C4}" vid="{4F7A876A-7598-49CA-AFC8-8EDA2551E4A7}"/>
+      <thm15:themeFamily xmlns="" xmlns:thm15="http://schemas.microsoft.com/office/thememl/2012/main" name="Parallax" id="{3388167B-A2EB-4685-9635-1831D9AEF8C4}" vid="{4F7A876A-7598-49CA-AFC8-8EDA2551E4A7}"/>
     </a:ext>
   </a:extLst>
 </a:theme>
@@ -11801,7 +11904,7 @@
   <a:extraClrSchemeLst/>
   <a:extLst>
     <a:ext uri="{05A4C25C-085E-4340-85A3-A5531E510DB2}">
-      <thm15:themeFamily xmlns:thm15="http://schemas.microsoft.com/office/thememl/2012/main" xmlns="" name="Office Theme" id="{62F939B6-93AF-4DB8-9C6B-D6C7DFDC589F}" vid="{4A3C46E8-61CC-4603-A589-7422A47A8E4A}"/>
+      <thm15:themeFamily xmlns="" xmlns:thm15="http://schemas.microsoft.com/office/thememl/2012/main" name="Office Theme" id="{62F939B6-93AF-4DB8-9C6B-D6C7DFDC589F}" vid="{4A3C46E8-61CC-4603-A589-7422A47A8E4A}"/>
     </a:ext>
   </a:extLst>
 </a:theme>

--- a/Bluetooth sur Android.pptx
+++ b/Bluetooth sur Android.pptx
@@ -126,7 +126,18 @@
   </p:defaultTextStyle>
   <p:extLst>
     <p:ext uri="{EFAFB233-063F-42B5-8137-9DF3F51BA10A}">
-      <p15:sldGuideLst xmlns="" xmlns:p15="http://schemas.microsoft.com/office/powerpoint/2012/main"/>
+      <p15:sldGuideLst xmlns:p15="http://schemas.microsoft.com/office/powerpoint/2012/main">
+        <p15:guide id="1" orient="horz" pos="2160">
+          <p15:clr>
+            <a:srgbClr val="A4A3A4"/>
+          </p15:clr>
+        </p15:guide>
+        <p15:guide id="2" pos="3840">
+          <p15:clr>
+            <a:srgbClr val="A4A3A4"/>
+          </p15:clr>
+        </p15:guide>
+      </p15:sldGuideLst>
     </p:ext>
   </p:extLst>
 </p:presentation>
@@ -10815,11 +10826,7 @@
           <a:p>
             <a:r>
               <a:rPr lang="fr-CH" dirty="0" smtClean="0"/>
-              <a:t>Paramétrage </a:t>
-            </a:r>
-            <a:r>
-              <a:rPr lang="fr-CH" dirty="0" smtClean="0"/>
-              <a:t>de machines</a:t>
+              <a:t>Paramétrage de machines</a:t>
             </a:r>
           </a:p>
           <a:p>
@@ -10831,11 +10838,7 @@
           <a:p>
             <a:r>
               <a:rPr lang="fr-CH" dirty="0" smtClean="0"/>
-              <a:t>Contrôle d’un </a:t>
-            </a:r>
-            <a:r>
-              <a:rPr lang="fr-CH" dirty="0" smtClean="0"/>
-              <a:t>robot</a:t>
+              <a:t>Contrôle d’un robot</a:t>
             </a:r>
           </a:p>
           <a:p>
@@ -10843,7 +10846,6 @@
               <a:rPr lang="fr-CH" dirty="0" smtClean="0"/>
               <a:t>Station météo</a:t>
             </a:r>
-            <a:endParaRPr lang="fr-CH" dirty="0" smtClean="0"/>
           </a:p>
         </p:txBody>
       </p:sp>
@@ -11260,29 +11262,6 @@
       </p:sp>
       <p:sp>
         <p:nvSpPr>
-          <p:cNvPr id="3" name="Espace réservé du contenu 2"/>
-          <p:cNvSpPr>
-            <a:spLocks noGrp="1"/>
-          </p:cNvSpPr>
-          <p:nvPr>
-            <p:ph idx="1"/>
-          </p:nvPr>
-        </p:nvSpPr>
-        <p:spPr/>
-        <p:txBody>
-          <a:bodyPr/>
-          <a:lstStyle/>
-          <a:p>
-            <a:r>
-              <a:rPr lang="fr-CH" dirty="0" smtClean="0"/>
-              <a:t>«diagramme des couches»</a:t>
-            </a:r>
-            <a:endParaRPr lang="fr-CH" dirty="0"/>
-          </a:p>
-        </p:txBody>
-      </p:sp>
-      <p:sp>
-        <p:nvSpPr>
           <p:cNvPr id="4" name="Espace réservé du texte 3"/>
           <p:cNvSpPr>
             <a:spLocks noGrp="1"/>
@@ -11373,6 +11352,30 @@
           </a:p>
         </p:txBody>
       </p:sp>
+      <p:pic>
+        <p:nvPicPr>
+          <p:cNvPr id="8" name="Image 7"/>
+          <p:cNvPicPr>
+            <a:picLocks noChangeAspect="1"/>
+          </p:cNvPicPr>
+          <p:nvPr/>
+        </p:nvPicPr>
+        <p:blipFill>
+          <a:blip r:embed="rId3"/>
+          <a:stretch>
+            <a:fillRect/>
+          </a:stretch>
+        </p:blipFill>
+        <p:spPr>
+          <a:xfrm>
+            <a:off x="5608405" y="1502742"/>
+            <a:ext cx="5894618" cy="3490590"/>
+          </a:xfrm>
+          <a:prstGeom prst="rect">
+            <a:avLst/>
+          </a:prstGeom>
+        </p:spPr>
+      </p:pic>
     </p:spTree>
     <p:extLst>
       <p:ext uri="{BB962C8B-B14F-4D97-AF65-F5344CB8AC3E}">
@@ -11643,7 +11646,7 @@
   <a:extraClrSchemeLst/>
   <a:extLst>
     <a:ext uri="{05A4C25C-085E-4340-85A3-A5531E510DB2}">
-      <thm15:themeFamily xmlns="" xmlns:thm15="http://schemas.microsoft.com/office/thememl/2012/main" name="Parallax" id="{3388167B-A2EB-4685-9635-1831D9AEF8C4}" vid="{4F7A876A-7598-49CA-AFC8-8EDA2551E4A7}"/>
+      <thm15:themeFamily xmlns:thm15="http://schemas.microsoft.com/office/thememl/2012/main" name="Parallax" id="{3388167B-A2EB-4685-9635-1831D9AEF8C4}" vid="{4F7A876A-7598-49CA-AFC8-8EDA2551E4A7}"/>
     </a:ext>
   </a:extLst>
 </a:theme>
@@ -11904,7 +11907,7 @@
   <a:extraClrSchemeLst/>
   <a:extLst>
     <a:ext uri="{05A4C25C-085E-4340-85A3-A5531E510DB2}">
-      <thm15:themeFamily xmlns="" xmlns:thm15="http://schemas.microsoft.com/office/thememl/2012/main" name="Office Theme" id="{62F939B6-93AF-4DB8-9C6B-D6C7DFDC589F}" vid="{4A3C46E8-61CC-4603-A589-7422A47A8E4A}"/>
+      <thm15:themeFamily xmlns:thm15="http://schemas.microsoft.com/office/thememl/2012/main" name="Office Theme" id="{62F939B6-93AF-4DB8-9C6B-D6C7DFDC589F}" vid="{4A3C46E8-61CC-4603-A589-7422A47A8E4A}"/>
     </a:ext>
   </a:extLst>
 </a:theme>
